--- a/LINQ-NEW.pptx
+++ b/LINQ-NEW.pptx
@@ -34,6 +34,11 @@
     <p:sldId id="282" r:id="rId28"/>
     <p:sldId id="283" r:id="rId29"/>
     <p:sldId id="284" r:id="rId30"/>
+    <p:sldId id="285" r:id="rId31"/>
+    <p:sldId id="286" r:id="rId32"/>
+    <p:sldId id="287" r:id="rId33"/>
+    <p:sldId id="288" r:id="rId34"/>
+    <p:sldId id="289" r:id="rId35"/>
   </p:sldIdLst>
   <p:sldSz cx="12192000" cy="6858000"/>
   <p:notesSz cx="6858000" cy="9144000"/>
@@ -132,6 +137,11 @@
       </a:defRPr>
     </a:lvl9pPr>
   </p:defaultTextStyle>
+  <p:extLst>
+    <p:ext uri="{EFAFB233-063F-42B5-8137-9DF3F51BA10A}">
+      <p15:sldGuideLst xmlns:p15="http://schemas.microsoft.com/office/powerpoint/2012/main"/>
+    </p:ext>
+  </p:extLst>
 </p:presentation>
 </file>
 
@@ -10009,6 +10019,46 @@
             <a:pPr>
               <a:buAutoNum type="arabicPeriod"/>
             </a:pPr>
+            <a:r>
+              <a:rPr lang="en-US" dirty="0" err="1" smtClean="0"/>
+              <a:t>Truy</a:t>
+            </a:r>
+            <a:r>
+              <a:rPr lang="en-US" dirty="0" smtClean="0"/>
+              <a:t> </a:t>
+            </a:r>
+            <a:r>
+              <a:rPr lang="en-US" dirty="0" err="1" smtClean="0"/>
+              <a:t>vấn</a:t>
+            </a:r>
+            <a:r>
+              <a:rPr lang="en-US" dirty="0" smtClean="0"/>
+              <a:t> </a:t>
+            </a:r>
+            <a:r>
+              <a:rPr lang="en-US" dirty="0" err="1" smtClean="0"/>
+              <a:t>cơ</a:t>
+            </a:r>
+            <a:r>
+              <a:rPr lang="en-US" dirty="0" smtClean="0"/>
+              <a:t> </a:t>
+            </a:r>
+            <a:r>
+              <a:rPr lang="en-US" dirty="0" err="1" smtClean="0"/>
+              <a:t>bản</a:t>
+            </a:r>
+            <a:r>
+              <a:rPr lang="en-US" dirty="0" smtClean="0"/>
+              <a:t> </a:t>
+            </a:r>
+            <a:r>
+              <a:rPr lang="en-US" dirty="0" err="1" smtClean="0"/>
+              <a:t>trong</a:t>
+            </a:r>
+            <a:r>
+              <a:rPr lang="en-US" dirty="0" smtClean="0"/>
+              <a:t> LINQ.</a:t>
+            </a:r>
             <a:endParaRPr lang="en-US" dirty="0" smtClean="0"/>
           </a:p>
         </p:txBody>
@@ -16351,6 +16401,2579 @@
 </p:sld>
 </file>
 
+<file path=ppt/slides/slide30.xml><?xml version="1.0" encoding="utf-8"?>
+<p:sld xmlns:a="http://schemas.openxmlformats.org/drawingml/2006/main" xmlns:r="http://schemas.openxmlformats.org/officeDocument/2006/relationships" xmlns:p="http://schemas.openxmlformats.org/presentationml/2006/main">
+  <p:cSld>
+    <p:spTree>
+      <p:nvGrpSpPr>
+        <p:cNvPr id="1" name=""/>
+        <p:cNvGrpSpPr/>
+        <p:nvPr/>
+      </p:nvGrpSpPr>
+      <p:grpSpPr>
+        <a:xfrm>
+          <a:off x="0" y="0"/>
+          <a:ext cx="0" cy="0"/>
+          <a:chOff x="0" y="0"/>
+          <a:chExt cx="0" cy="0"/>
+        </a:xfrm>
+      </p:grpSpPr>
+      <p:sp>
+        <p:nvSpPr>
+          <p:cNvPr id="2" name="Title 1"/>
+          <p:cNvSpPr>
+            <a:spLocks noGrp="1"/>
+          </p:cNvSpPr>
+          <p:nvPr>
+            <p:ph type="title"/>
+          </p:nvPr>
+        </p:nvSpPr>
+        <p:spPr/>
+        <p:txBody>
+          <a:bodyPr/>
+          <a:lstStyle/>
+          <a:p>
+            <a:pPr algn="ctr"/>
+            <a:r>
+              <a:rPr lang="en-US" sz="4800" dirty="0" smtClean="0">
+                <a:latin typeface="Times New Roman" panose="02020603050405020304" pitchFamily="18" charset="0"/>
+                <a:cs typeface="Times New Roman" panose="02020603050405020304" pitchFamily="18" charset="0"/>
+              </a:rPr>
+              <a:t>6. </a:t>
+            </a:r>
+            <a:r>
+              <a:rPr lang="en-US" sz="4800" dirty="0" err="1" smtClean="0">
+                <a:latin typeface="Times New Roman" panose="02020603050405020304" pitchFamily="18" charset="0"/>
+                <a:cs typeface="Times New Roman" panose="02020603050405020304" pitchFamily="18" charset="0"/>
+              </a:rPr>
+              <a:t>Truy</a:t>
+            </a:r>
+            <a:r>
+              <a:rPr lang="en-US" sz="4800" dirty="0" smtClean="0">
+                <a:latin typeface="Times New Roman" panose="02020603050405020304" pitchFamily="18" charset="0"/>
+                <a:cs typeface="Times New Roman" panose="02020603050405020304" pitchFamily="18" charset="0"/>
+              </a:rPr>
+              <a:t> </a:t>
+            </a:r>
+            <a:r>
+              <a:rPr lang="en-US" sz="4800" dirty="0" err="1" smtClean="0">
+                <a:latin typeface="Times New Roman" panose="02020603050405020304" pitchFamily="18" charset="0"/>
+                <a:cs typeface="Times New Roman" panose="02020603050405020304" pitchFamily="18" charset="0"/>
+              </a:rPr>
+              <a:t>vấn</a:t>
+            </a:r>
+            <a:r>
+              <a:rPr lang="en-US" sz="4800" dirty="0" smtClean="0">
+                <a:latin typeface="Times New Roman" panose="02020603050405020304" pitchFamily="18" charset="0"/>
+                <a:cs typeface="Times New Roman" panose="02020603050405020304" pitchFamily="18" charset="0"/>
+              </a:rPr>
+              <a:t> </a:t>
+            </a:r>
+            <a:r>
+              <a:rPr lang="en-US" sz="4800" dirty="0" err="1" smtClean="0">
+                <a:latin typeface="Times New Roman" panose="02020603050405020304" pitchFamily="18" charset="0"/>
+                <a:cs typeface="Times New Roman" panose="02020603050405020304" pitchFamily="18" charset="0"/>
+              </a:rPr>
+              <a:t>cơ</a:t>
+            </a:r>
+            <a:r>
+              <a:rPr lang="en-US" sz="4800" dirty="0" smtClean="0">
+                <a:latin typeface="Times New Roman" panose="02020603050405020304" pitchFamily="18" charset="0"/>
+                <a:cs typeface="Times New Roman" panose="02020603050405020304" pitchFamily="18" charset="0"/>
+              </a:rPr>
+              <a:t> </a:t>
+            </a:r>
+            <a:r>
+              <a:rPr lang="en-US" sz="4800" dirty="0" err="1" smtClean="0">
+                <a:latin typeface="Times New Roman" panose="02020603050405020304" pitchFamily="18" charset="0"/>
+                <a:cs typeface="Times New Roman" panose="02020603050405020304" pitchFamily="18" charset="0"/>
+              </a:rPr>
+              <a:t>bản</a:t>
+            </a:r>
+            <a:r>
+              <a:rPr lang="en-US" sz="4800" dirty="0" smtClean="0">
+                <a:latin typeface="Times New Roman" panose="02020603050405020304" pitchFamily="18" charset="0"/>
+                <a:cs typeface="Times New Roman" panose="02020603050405020304" pitchFamily="18" charset="0"/>
+              </a:rPr>
+              <a:t> </a:t>
+            </a:r>
+            <a:r>
+              <a:rPr lang="en-US" sz="4800" dirty="0" err="1" smtClean="0">
+                <a:latin typeface="Times New Roman" panose="02020603050405020304" pitchFamily="18" charset="0"/>
+                <a:cs typeface="Times New Roman" panose="02020603050405020304" pitchFamily="18" charset="0"/>
+              </a:rPr>
+              <a:t>trong</a:t>
+            </a:r>
+            <a:r>
+              <a:rPr lang="en-US" sz="4800" dirty="0" smtClean="0">
+                <a:latin typeface="Times New Roman" panose="02020603050405020304" pitchFamily="18" charset="0"/>
+                <a:cs typeface="Times New Roman" panose="02020603050405020304" pitchFamily="18" charset="0"/>
+              </a:rPr>
+              <a:t> LINQ</a:t>
+            </a:r>
+            <a:endParaRPr lang="en-US" sz="4800" dirty="0">
+              <a:latin typeface="Times New Roman" panose="02020603050405020304" pitchFamily="18" charset="0"/>
+              <a:cs typeface="Times New Roman" panose="02020603050405020304" pitchFamily="18" charset="0"/>
+            </a:endParaRPr>
+          </a:p>
+        </p:txBody>
+      </p:sp>
+      <p:sp>
+        <p:nvSpPr>
+          <p:cNvPr id="3" name="Content Placeholder 2"/>
+          <p:cNvSpPr>
+            <a:spLocks noGrp="1"/>
+          </p:cNvSpPr>
+          <p:nvPr>
+            <p:ph idx="1"/>
+          </p:nvPr>
+        </p:nvSpPr>
+        <p:spPr/>
+        <p:txBody>
+          <a:bodyPr>
+            <a:normAutofit/>
+          </a:bodyPr>
+          <a:lstStyle/>
+          <a:p>
+            <a:pPr marL="0" indent="0">
+              <a:buNone/>
+            </a:pPr>
+            <a:r>
+              <a:rPr lang="en-US" sz="3000" dirty="0" err="1" smtClean="0">
+                <a:latin typeface="Times New Roman" panose="02020603050405020304" pitchFamily="18" charset="0"/>
+                <a:cs typeface="Times New Roman" panose="02020603050405020304" pitchFamily="18" charset="0"/>
+              </a:rPr>
+              <a:t>Có</a:t>
+            </a:r>
+            <a:r>
+              <a:rPr lang="en-US" sz="3000" dirty="0" smtClean="0">
+                <a:latin typeface="Times New Roman" panose="02020603050405020304" pitchFamily="18" charset="0"/>
+                <a:cs typeface="Times New Roman" panose="02020603050405020304" pitchFamily="18" charset="0"/>
+              </a:rPr>
+              <a:t> 3 </a:t>
+            </a:r>
+            <a:r>
+              <a:rPr lang="en-US" sz="3000" dirty="0" err="1" smtClean="0">
+                <a:latin typeface="Times New Roman" panose="02020603050405020304" pitchFamily="18" charset="0"/>
+                <a:cs typeface="Times New Roman" panose="02020603050405020304" pitchFamily="18" charset="0"/>
+              </a:rPr>
+              <a:t>cú</a:t>
+            </a:r>
+            <a:r>
+              <a:rPr lang="en-US" sz="3000" dirty="0" smtClean="0">
+                <a:latin typeface="Times New Roman" panose="02020603050405020304" pitchFamily="18" charset="0"/>
+                <a:cs typeface="Times New Roman" panose="02020603050405020304" pitchFamily="18" charset="0"/>
+              </a:rPr>
+              <a:t> </a:t>
+            </a:r>
+            <a:r>
+              <a:rPr lang="en-US" sz="3000" dirty="0" err="1" smtClean="0">
+                <a:latin typeface="Times New Roman" panose="02020603050405020304" pitchFamily="18" charset="0"/>
+                <a:cs typeface="Times New Roman" panose="02020603050405020304" pitchFamily="18" charset="0"/>
+              </a:rPr>
+              <a:t>pháp</a:t>
+            </a:r>
+            <a:r>
+              <a:rPr lang="en-US" sz="3000" dirty="0" smtClean="0">
+                <a:latin typeface="Times New Roman" panose="02020603050405020304" pitchFamily="18" charset="0"/>
+                <a:cs typeface="Times New Roman" panose="02020603050405020304" pitchFamily="18" charset="0"/>
+              </a:rPr>
+              <a:t> </a:t>
+            </a:r>
+            <a:r>
+              <a:rPr lang="en-US" sz="3000" dirty="0" err="1" smtClean="0">
+                <a:latin typeface="Times New Roman" panose="02020603050405020304" pitchFamily="18" charset="0"/>
+                <a:cs typeface="Times New Roman" panose="02020603050405020304" pitchFamily="18" charset="0"/>
+              </a:rPr>
+              <a:t>được</a:t>
+            </a:r>
+            <a:r>
+              <a:rPr lang="en-US" sz="3000" dirty="0" smtClean="0">
+                <a:latin typeface="Times New Roman" panose="02020603050405020304" pitchFamily="18" charset="0"/>
+                <a:cs typeface="Times New Roman" panose="02020603050405020304" pitchFamily="18" charset="0"/>
+              </a:rPr>
+              <a:t> </a:t>
+            </a:r>
+            <a:r>
+              <a:rPr lang="en-US" sz="3000" dirty="0" err="1" smtClean="0">
+                <a:latin typeface="Times New Roman" panose="02020603050405020304" pitchFamily="18" charset="0"/>
+                <a:cs typeface="Times New Roman" panose="02020603050405020304" pitchFamily="18" charset="0"/>
+              </a:rPr>
+              <a:t>sử</a:t>
+            </a:r>
+            <a:r>
+              <a:rPr lang="en-US" sz="3000" dirty="0" smtClean="0">
+                <a:latin typeface="Times New Roman" panose="02020603050405020304" pitchFamily="18" charset="0"/>
+                <a:cs typeface="Times New Roman" panose="02020603050405020304" pitchFamily="18" charset="0"/>
+              </a:rPr>
+              <a:t> </a:t>
+            </a:r>
+            <a:r>
+              <a:rPr lang="en-US" sz="3000" dirty="0" err="1" smtClean="0">
+                <a:latin typeface="Times New Roman" panose="02020603050405020304" pitchFamily="18" charset="0"/>
+                <a:cs typeface="Times New Roman" panose="02020603050405020304" pitchFamily="18" charset="0"/>
+              </a:rPr>
+              <a:t>dụng</a:t>
+            </a:r>
+            <a:r>
+              <a:rPr lang="en-US" sz="3000" dirty="0" smtClean="0">
+                <a:latin typeface="Times New Roman" panose="02020603050405020304" pitchFamily="18" charset="0"/>
+                <a:cs typeface="Times New Roman" panose="02020603050405020304" pitchFamily="18" charset="0"/>
+              </a:rPr>
+              <a:t> </a:t>
+            </a:r>
+            <a:r>
+              <a:rPr lang="en-US" sz="3000" dirty="0" err="1" smtClean="0">
+                <a:latin typeface="Times New Roman" panose="02020603050405020304" pitchFamily="18" charset="0"/>
+                <a:cs typeface="Times New Roman" panose="02020603050405020304" pitchFamily="18" charset="0"/>
+              </a:rPr>
+              <a:t>để</a:t>
+            </a:r>
+            <a:r>
+              <a:rPr lang="en-US" sz="3000" dirty="0" smtClean="0">
+                <a:latin typeface="Times New Roman" panose="02020603050405020304" pitchFamily="18" charset="0"/>
+                <a:cs typeface="Times New Roman" panose="02020603050405020304" pitchFamily="18" charset="0"/>
+              </a:rPr>
+              <a:t> </a:t>
+            </a:r>
+            <a:r>
+              <a:rPr lang="en-US" sz="3000" dirty="0" err="1" smtClean="0">
+                <a:latin typeface="Times New Roman" panose="02020603050405020304" pitchFamily="18" charset="0"/>
+                <a:cs typeface="Times New Roman" panose="02020603050405020304" pitchFamily="18" charset="0"/>
+              </a:rPr>
+              <a:t>viết</a:t>
+            </a:r>
+            <a:r>
+              <a:rPr lang="en-US" sz="3000" dirty="0" smtClean="0">
+                <a:latin typeface="Times New Roman" panose="02020603050405020304" pitchFamily="18" charset="0"/>
+                <a:cs typeface="Times New Roman" panose="02020603050405020304" pitchFamily="18" charset="0"/>
+              </a:rPr>
+              <a:t> </a:t>
+            </a:r>
+            <a:r>
+              <a:rPr lang="en-US" sz="3000" dirty="0" err="1" smtClean="0">
+                <a:latin typeface="Times New Roman" panose="02020603050405020304" pitchFamily="18" charset="0"/>
+                <a:cs typeface="Times New Roman" panose="02020603050405020304" pitchFamily="18" charset="0"/>
+              </a:rPr>
+              <a:t>các</a:t>
+            </a:r>
+            <a:r>
+              <a:rPr lang="en-US" sz="3000" dirty="0" smtClean="0">
+                <a:latin typeface="Times New Roman" panose="02020603050405020304" pitchFamily="18" charset="0"/>
+                <a:cs typeface="Times New Roman" panose="02020603050405020304" pitchFamily="18" charset="0"/>
+              </a:rPr>
+              <a:t> </a:t>
+            </a:r>
+            <a:r>
+              <a:rPr lang="en-US" sz="3000" dirty="0" err="1" smtClean="0">
+                <a:latin typeface="Times New Roman" panose="02020603050405020304" pitchFamily="18" charset="0"/>
+                <a:cs typeface="Times New Roman" panose="02020603050405020304" pitchFamily="18" charset="0"/>
+              </a:rPr>
+              <a:t>truy</a:t>
+            </a:r>
+            <a:r>
+              <a:rPr lang="en-US" sz="3000" dirty="0" smtClean="0">
+                <a:latin typeface="Times New Roman" panose="02020603050405020304" pitchFamily="18" charset="0"/>
+                <a:cs typeface="Times New Roman" panose="02020603050405020304" pitchFamily="18" charset="0"/>
+              </a:rPr>
+              <a:t> </a:t>
+            </a:r>
+            <a:r>
+              <a:rPr lang="en-US" sz="3000" dirty="0" err="1" smtClean="0">
+                <a:latin typeface="Times New Roman" panose="02020603050405020304" pitchFamily="18" charset="0"/>
+                <a:cs typeface="Times New Roman" panose="02020603050405020304" pitchFamily="18" charset="0"/>
+              </a:rPr>
+              <a:t>vấn</a:t>
+            </a:r>
+            <a:r>
+              <a:rPr lang="en-US" sz="3000" dirty="0">
+                <a:latin typeface="Times New Roman" panose="02020603050405020304" pitchFamily="18" charset="0"/>
+                <a:cs typeface="Times New Roman" panose="02020603050405020304" pitchFamily="18" charset="0"/>
+              </a:rPr>
+              <a:t> </a:t>
+            </a:r>
+            <a:r>
+              <a:rPr lang="en-US" sz="3000" dirty="0" smtClean="0">
+                <a:latin typeface="Times New Roman" panose="02020603050405020304" pitchFamily="18" charset="0"/>
+                <a:cs typeface="Times New Roman" panose="02020603050405020304" pitchFamily="18" charset="0"/>
+              </a:rPr>
+              <a:t>LINQ.:</a:t>
+            </a:r>
+          </a:p>
+          <a:p>
+            <a:pPr>
+              <a:buFontTx/>
+              <a:buChar char="-"/>
+            </a:pPr>
+            <a:r>
+              <a:rPr lang="en-GB" sz="3000" dirty="0" err="1" smtClean="0">
+                <a:latin typeface="Times New Roman" panose="02020603050405020304" pitchFamily="18" charset="0"/>
+                <a:cs typeface="Times New Roman" panose="02020603050405020304" pitchFamily="18" charset="0"/>
+              </a:rPr>
+              <a:t>phương</a:t>
+            </a:r>
+            <a:r>
+              <a:rPr lang="en-GB" sz="3000" dirty="0" smtClean="0">
+                <a:latin typeface="Times New Roman" panose="02020603050405020304" pitchFamily="18" charset="0"/>
+                <a:cs typeface="Times New Roman" panose="02020603050405020304" pitchFamily="18" charset="0"/>
+              </a:rPr>
+              <a:t> </a:t>
+            </a:r>
+            <a:r>
+              <a:rPr lang="en-GB" sz="3000" dirty="0" err="1">
+                <a:latin typeface="Times New Roman" panose="02020603050405020304" pitchFamily="18" charset="0"/>
+                <a:cs typeface="Times New Roman" panose="02020603050405020304" pitchFamily="18" charset="0"/>
+              </a:rPr>
+              <a:t>thức</a:t>
+            </a:r>
+            <a:r>
+              <a:rPr lang="en-GB" sz="3000" dirty="0">
+                <a:latin typeface="Times New Roman" panose="02020603050405020304" pitchFamily="18" charset="0"/>
+                <a:cs typeface="Times New Roman" panose="02020603050405020304" pitchFamily="18" charset="0"/>
+              </a:rPr>
+              <a:t> </a:t>
+            </a:r>
+            <a:r>
+              <a:rPr lang="en-GB" sz="3000" dirty="0" err="1">
+                <a:latin typeface="Times New Roman" panose="02020603050405020304" pitchFamily="18" charset="0"/>
+                <a:cs typeface="Times New Roman" panose="02020603050405020304" pitchFamily="18" charset="0"/>
+              </a:rPr>
+              <a:t>mở</a:t>
+            </a:r>
+            <a:r>
+              <a:rPr lang="en-GB" sz="3000" dirty="0">
+                <a:latin typeface="Times New Roman" panose="02020603050405020304" pitchFamily="18" charset="0"/>
+                <a:cs typeface="Times New Roman" panose="02020603050405020304" pitchFamily="18" charset="0"/>
+              </a:rPr>
+              <a:t> </a:t>
+            </a:r>
+            <a:r>
+              <a:rPr lang="en-GB" sz="3000" dirty="0" err="1">
+                <a:latin typeface="Times New Roman" panose="02020603050405020304" pitchFamily="18" charset="0"/>
+                <a:cs typeface="Times New Roman" panose="02020603050405020304" pitchFamily="18" charset="0"/>
+              </a:rPr>
+              <a:t>rộng</a:t>
+            </a:r>
+            <a:r>
+              <a:rPr lang="en-GB" sz="3000" dirty="0">
+                <a:latin typeface="Times New Roman" panose="02020603050405020304" pitchFamily="18" charset="0"/>
+                <a:cs typeface="Times New Roman" panose="02020603050405020304" pitchFamily="18" charset="0"/>
+              </a:rPr>
+              <a:t> (Extension method</a:t>
+            </a:r>
+            <a:r>
+              <a:rPr lang="en-GB" sz="3000" dirty="0" smtClean="0">
+                <a:latin typeface="Times New Roman" panose="02020603050405020304" pitchFamily="18" charset="0"/>
+                <a:cs typeface="Times New Roman" panose="02020603050405020304" pitchFamily="18" charset="0"/>
+              </a:rPr>
+              <a:t>).</a:t>
+            </a:r>
+          </a:p>
+          <a:p>
+            <a:pPr>
+              <a:buFontTx/>
+              <a:buChar char="-"/>
+            </a:pPr>
+            <a:r>
+              <a:rPr lang="en-GB" sz="3000" dirty="0" err="1">
+                <a:latin typeface="Times New Roman" panose="02020603050405020304" pitchFamily="18" charset="0"/>
+                <a:cs typeface="Times New Roman" panose="02020603050405020304" pitchFamily="18" charset="0"/>
+              </a:rPr>
+              <a:t>biểu</a:t>
+            </a:r>
+            <a:r>
+              <a:rPr lang="en-GB" sz="3000" dirty="0">
+                <a:latin typeface="Times New Roman" panose="02020603050405020304" pitchFamily="18" charset="0"/>
+                <a:cs typeface="Times New Roman" panose="02020603050405020304" pitchFamily="18" charset="0"/>
+              </a:rPr>
+              <a:t> </a:t>
+            </a:r>
+            <a:r>
+              <a:rPr lang="en-GB" sz="3000" dirty="0" err="1">
+                <a:latin typeface="Times New Roman" panose="02020603050405020304" pitchFamily="18" charset="0"/>
+                <a:cs typeface="Times New Roman" panose="02020603050405020304" pitchFamily="18" charset="0"/>
+              </a:rPr>
+              <a:t>thức</a:t>
+            </a:r>
+            <a:r>
+              <a:rPr lang="en-GB" sz="3000" dirty="0">
+                <a:latin typeface="Times New Roman" panose="02020603050405020304" pitchFamily="18" charset="0"/>
+                <a:cs typeface="Times New Roman" panose="02020603050405020304" pitchFamily="18" charset="0"/>
+              </a:rPr>
+              <a:t> </a:t>
+            </a:r>
+            <a:r>
+              <a:rPr lang="en-GB" sz="3000" dirty="0" err="1">
+                <a:latin typeface="Times New Roman" panose="02020603050405020304" pitchFamily="18" charset="0"/>
+                <a:cs typeface="Times New Roman" panose="02020603050405020304" pitchFamily="18" charset="0"/>
+              </a:rPr>
+              <a:t>truy</a:t>
+            </a:r>
+            <a:r>
+              <a:rPr lang="en-GB" sz="3000" dirty="0">
+                <a:latin typeface="Times New Roman" panose="02020603050405020304" pitchFamily="18" charset="0"/>
+                <a:cs typeface="Times New Roman" panose="02020603050405020304" pitchFamily="18" charset="0"/>
+              </a:rPr>
+              <a:t> </a:t>
+            </a:r>
+            <a:r>
+              <a:rPr lang="en-GB" sz="3000" dirty="0" err="1">
+                <a:latin typeface="Times New Roman" panose="02020603050405020304" pitchFamily="18" charset="0"/>
+                <a:cs typeface="Times New Roman" panose="02020603050405020304" pitchFamily="18" charset="0"/>
+              </a:rPr>
+              <a:t>vấn</a:t>
+            </a:r>
+            <a:r>
+              <a:rPr lang="en-GB" sz="3000" dirty="0">
+                <a:latin typeface="Times New Roman" panose="02020603050405020304" pitchFamily="18" charset="0"/>
+                <a:cs typeface="Times New Roman" panose="02020603050405020304" pitchFamily="18" charset="0"/>
+              </a:rPr>
+              <a:t> (Query Expression</a:t>
+            </a:r>
+            <a:r>
+              <a:rPr lang="en-GB" sz="3000" dirty="0" smtClean="0">
+                <a:latin typeface="Times New Roman" panose="02020603050405020304" pitchFamily="18" charset="0"/>
+                <a:cs typeface="Times New Roman" panose="02020603050405020304" pitchFamily="18" charset="0"/>
+              </a:rPr>
+              <a:t>).</a:t>
+            </a:r>
+          </a:p>
+          <a:p>
+            <a:pPr>
+              <a:buFontTx/>
+              <a:buChar char="-"/>
+            </a:pPr>
+            <a:r>
+              <a:rPr lang="en-US" sz="3000" dirty="0" err="1">
+                <a:latin typeface="Times New Roman" panose="02020603050405020304" pitchFamily="18" charset="0"/>
+                <a:cs typeface="Times New Roman" panose="02020603050405020304" pitchFamily="18" charset="0"/>
+              </a:rPr>
+              <a:t>kết</a:t>
+            </a:r>
+            <a:r>
+              <a:rPr lang="en-US" sz="3000" dirty="0">
+                <a:latin typeface="Times New Roman" panose="02020603050405020304" pitchFamily="18" charset="0"/>
+                <a:cs typeface="Times New Roman" panose="02020603050405020304" pitchFamily="18" charset="0"/>
+              </a:rPr>
+              <a:t> </a:t>
+            </a:r>
+            <a:r>
+              <a:rPr lang="en-US" sz="3000" dirty="0" err="1">
+                <a:latin typeface="Times New Roman" panose="02020603050405020304" pitchFamily="18" charset="0"/>
+                <a:cs typeface="Times New Roman" panose="02020603050405020304" pitchFamily="18" charset="0"/>
+              </a:rPr>
+              <a:t>hợp</a:t>
+            </a:r>
+            <a:r>
+              <a:rPr lang="en-US" sz="3000" dirty="0">
+                <a:latin typeface="Times New Roman" panose="02020603050405020304" pitchFamily="18" charset="0"/>
+                <a:cs typeface="Times New Roman" panose="02020603050405020304" pitchFamily="18" charset="0"/>
+              </a:rPr>
+              <a:t> </a:t>
+            </a:r>
+            <a:r>
+              <a:rPr lang="en-US" sz="3000" dirty="0" err="1">
+                <a:latin typeface="Times New Roman" panose="02020603050405020304" pitchFamily="18" charset="0"/>
+                <a:cs typeface="Times New Roman" panose="02020603050405020304" pitchFamily="18" charset="0"/>
+              </a:rPr>
+              <a:t>cả</a:t>
+            </a:r>
+            <a:r>
+              <a:rPr lang="en-US" sz="3000" dirty="0">
+                <a:latin typeface="Times New Roman" panose="02020603050405020304" pitchFamily="18" charset="0"/>
+                <a:cs typeface="Times New Roman" panose="02020603050405020304" pitchFamily="18" charset="0"/>
+              </a:rPr>
+              <a:t> </a:t>
+            </a:r>
+            <a:r>
+              <a:rPr lang="en-US" sz="3000" dirty="0" err="1">
+                <a:latin typeface="Times New Roman" panose="02020603050405020304" pitchFamily="18" charset="0"/>
+                <a:cs typeface="Times New Roman" panose="02020603050405020304" pitchFamily="18" charset="0"/>
+              </a:rPr>
+              <a:t>hai</a:t>
+            </a:r>
+            <a:r>
+              <a:rPr lang="en-US" sz="3000" dirty="0">
+                <a:latin typeface="Times New Roman" panose="02020603050405020304" pitchFamily="18" charset="0"/>
+                <a:cs typeface="Times New Roman" panose="02020603050405020304" pitchFamily="18" charset="0"/>
+              </a:rPr>
+              <a:t> </a:t>
+            </a:r>
+            <a:r>
+              <a:rPr lang="en-US" sz="3000" dirty="0" err="1">
+                <a:latin typeface="Times New Roman" panose="02020603050405020304" pitchFamily="18" charset="0"/>
+                <a:cs typeface="Times New Roman" panose="02020603050405020304" pitchFamily="18" charset="0"/>
+              </a:rPr>
+              <a:t>cú</a:t>
+            </a:r>
+            <a:r>
+              <a:rPr lang="en-US" sz="3000" dirty="0">
+                <a:latin typeface="Times New Roman" panose="02020603050405020304" pitchFamily="18" charset="0"/>
+                <a:cs typeface="Times New Roman" panose="02020603050405020304" pitchFamily="18" charset="0"/>
+              </a:rPr>
+              <a:t> </a:t>
+            </a:r>
+            <a:r>
+              <a:rPr lang="en-US" sz="3000" dirty="0" err="1">
+                <a:latin typeface="Times New Roman" panose="02020603050405020304" pitchFamily="18" charset="0"/>
+                <a:cs typeface="Times New Roman" panose="02020603050405020304" pitchFamily="18" charset="0"/>
+              </a:rPr>
+              <a:t>pháp</a:t>
+            </a:r>
+            <a:r>
+              <a:rPr lang="en-US" sz="3000" dirty="0">
+                <a:latin typeface="Times New Roman" panose="02020603050405020304" pitchFamily="18" charset="0"/>
+                <a:cs typeface="Times New Roman" panose="02020603050405020304" pitchFamily="18" charset="0"/>
+              </a:rPr>
+              <a:t> </a:t>
+            </a:r>
+            <a:r>
+              <a:rPr lang="en-US" sz="3000" dirty="0" err="1">
+                <a:latin typeface="Times New Roman" panose="02020603050405020304" pitchFamily="18" charset="0"/>
+                <a:cs typeface="Times New Roman" panose="02020603050405020304" pitchFamily="18" charset="0"/>
+              </a:rPr>
+              <a:t>trên</a:t>
+            </a:r>
+            <a:r>
+              <a:rPr lang="en-US" sz="3000" dirty="0">
+                <a:latin typeface="Times New Roman" panose="02020603050405020304" pitchFamily="18" charset="0"/>
+                <a:cs typeface="Times New Roman" panose="02020603050405020304" pitchFamily="18" charset="0"/>
+              </a:rPr>
+              <a:t> (Query Dot).</a:t>
+            </a:r>
+            <a:endParaRPr lang="en-US" sz="3000" dirty="0" smtClean="0">
+              <a:latin typeface="Times New Roman" panose="02020603050405020304" pitchFamily="18" charset="0"/>
+              <a:cs typeface="Times New Roman" panose="02020603050405020304" pitchFamily="18" charset="0"/>
+            </a:endParaRPr>
+          </a:p>
+        </p:txBody>
+      </p:sp>
+    </p:spTree>
+    <p:extLst>
+      <p:ext uri="{BB962C8B-B14F-4D97-AF65-F5344CB8AC3E}">
+        <p14:creationId xmlns:p14="http://schemas.microsoft.com/office/powerpoint/2010/main" val="2347321583"/>
+      </p:ext>
+    </p:extLst>
+  </p:cSld>
+  <p:clrMapOvr>
+    <a:masterClrMapping/>
+  </p:clrMapOvr>
+</p:sld>
+</file>
+
+<file path=ppt/slides/slide31.xml><?xml version="1.0" encoding="utf-8"?>
+<p:sld xmlns:a="http://schemas.openxmlformats.org/drawingml/2006/main" xmlns:r="http://schemas.openxmlformats.org/officeDocument/2006/relationships" xmlns:p="http://schemas.openxmlformats.org/presentationml/2006/main">
+  <p:cSld>
+    <p:spTree>
+      <p:nvGrpSpPr>
+        <p:cNvPr id="1" name=""/>
+        <p:cNvGrpSpPr/>
+        <p:nvPr/>
+      </p:nvGrpSpPr>
+      <p:grpSpPr>
+        <a:xfrm>
+          <a:off x="0" y="0"/>
+          <a:ext cx="0" cy="0"/>
+          <a:chOff x="0" y="0"/>
+          <a:chExt cx="0" cy="0"/>
+        </a:xfrm>
+      </p:grpSpPr>
+      <p:sp>
+        <p:nvSpPr>
+          <p:cNvPr id="2" name="Title 1"/>
+          <p:cNvSpPr>
+            <a:spLocks noGrp="1"/>
+          </p:cNvSpPr>
+          <p:nvPr>
+            <p:ph type="title"/>
+          </p:nvPr>
+        </p:nvSpPr>
+        <p:spPr/>
+        <p:txBody>
+          <a:bodyPr/>
+          <a:lstStyle/>
+          <a:p>
+            <a:pPr algn="ctr"/>
+            <a:r>
+              <a:rPr lang="en-US" sz="4800" dirty="0" smtClean="0">
+                <a:latin typeface="Times New Roman" panose="02020603050405020304" pitchFamily="18" charset="0"/>
+                <a:cs typeface="Times New Roman" panose="02020603050405020304" pitchFamily="18" charset="0"/>
+              </a:rPr>
+              <a:t>6. </a:t>
+            </a:r>
+            <a:r>
+              <a:rPr lang="en-US" sz="4800" dirty="0" err="1" smtClean="0">
+                <a:latin typeface="Times New Roman" panose="02020603050405020304" pitchFamily="18" charset="0"/>
+                <a:cs typeface="Times New Roman" panose="02020603050405020304" pitchFamily="18" charset="0"/>
+              </a:rPr>
+              <a:t>Truy</a:t>
+            </a:r>
+            <a:r>
+              <a:rPr lang="en-US" sz="4800" dirty="0" smtClean="0">
+                <a:latin typeface="Times New Roman" panose="02020603050405020304" pitchFamily="18" charset="0"/>
+                <a:cs typeface="Times New Roman" panose="02020603050405020304" pitchFamily="18" charset="0"/>
+              </a:rPr>
+              <a:t> </a:t>
+            </a:r>
+            <a:r>
+              <a:rPr lang="en-US" sz="4800" dirty="0" err="1" smtClean="0">
+                <a:latin typeface="Times New Roman" panose="02020603050405020304" pitchFamily="18" charset="0"/>
+                <a:cs typeface="Times New Roman" panose="02020603050405020304" pitchFamily="18" charset="0"/>
+              </a:rPr>
+              <a:t>vấn</a:t>
+            </a:r>
+            <a:r>
+              <a:rPr lang="en-US" sz="4800" dirty="0" smtClean="0">
+                <a:latin typeface="Times New Roman" panose="02020603050405020304" pitchFamily="18" charset="0"/>
+                <a:cs typeface="Times New Roman" panose="02020603050405020304" pitchFamily="18" charset="0"/>
+              </a:rPr>
+              <a:t> </a:t>
+            </a:r>
+            <a:r>
+              <a:rPr lang="en-US" sz="4800" dirty="0" err="1" smtClean="0">
+                <a:latin typeface="Times New Roman" panose="02020603050405020304" pitchFamily="18" charset="0"/>
+                <a:cs typeface="Times New Roman" panose="02020603050405020304" pitchFamily="18" charset="0"/>
+              </a:rPr>
+              <a:t>cơ</a:t>
+            </a:r>
+            <a:r>
+              <a:rPr lang="en-US" sz="4800" dirty="0" smtClean="0">
+                <a:latin typeface="Times New Roman" panose="02020603050405020304" pitchFamily="18" charset="0"/>
+                <a:cs typeface="Times New Roman" panose="02020603050405020304" pitchFamily="18" charset="0"/>
+              </a:rPr>
+              <a:t> </a:t>
+            </a:r>
+            <a:r>
+              <a:rPr lang="en-US" sz="4800" dirty="0" err="1" smtClean="0">
+                <a:latin typeface="Times New Roman" panose="02020603050405020304" pitchFamily="18" charset="0"/>
+                <a:cs typeface="Times New Roman" panose="02020603050405020304" pitchFamily="18" charset="0"/>
+              </a:rPr>
+              <a:t>bản</a:t>
+            </a:r>
+            <a:r>
+              <a:rPr lang="en-US" sz="4800" dirty="0" smtClean="0">
+                <a:latin typeface="Times New Roman" panose="02020603050405020304" pitchFamily="18" charset="0"/>
+                <a:cs typeface="Times New Roman" panose="02020603050405020304" pitchFamily="18" charset="0"/>
+              </a:rPr>
+              <a:t> </a:t>
+            </a:r>
+            <a:r>
+              <a:rPr lang="en-US" sz="4800" dirty="0" err="1" smtClean="0">
+                <a:latin typeface="Times New Roman" panose="02020603050405020304" pitchFamily="18" charset="0"/>
+                <a:cs typeface="Times New Roman" panose="02020603050405020304" pitchFamily="18" charset="0"/>
+              </a:rPr>
+              <a:t>trong</a:t>
+            </a:r>
+            <a:r>
+              <a:rPr lang="en-US" sz="4800" dirty="0" smtClean="0">
+                <a:latin typeface="Times New Roman" panose="02020603050405020304" pitchFamily="18" charset="0"/>
+                <a:cs typeface="Times New Roman" panose="02020603050405020304" pitchFamily="18" charset="0"/>
+              </a:rPr>
+              <a:t> LINQ</a:t>
+            </a:r>
+            <a:endParaRPr lang="en-US" sz="4800" dirty="0">
+              <a:latin typeface="Times New Roman" panose="02020603050405020304" pitchFamily="18" charset="0"/>
+              <a:cs typeface="Times New Roman" panose="02020603050405020304" pitchFamily="18" charset="0"/>
+            </a:endParaRPr>
+          </a:p>
+        </p:txBody>
+      </p:sp>
+      <p:sp>
+        <p:nvSpPr>
+          <p:cNvPr id="3" name="Content Placeholder 2"/>
+          <p:cNvSpPr>
+            <a:spLocks noGrp="1"/>
+          </p:cNvSpPr>
+          <p:nvPr>
+            <p:ph idx="1"/>
+          </p:nvPr>
+        </p:nvSpPr>
+        <p:spPr>
+          <a:xfrm>
+            <a:off x="515155" y="2531380"/>
+            <a:ext cx="10848050" cy="3636511"/>
+          </a:xfrm>
+        </p:spPr>
+        <p:txBody>
+          <a:bodyPr>
+            <a:normAutofit/>
+          </a:bodyPr>
+          <a:lstStyle/>
+          <a:p>
+            <a:pPr marL="0" indent="0" algn="just">
+              <a:buNone/>
+            </a:pPr>
+            <a:r>
+              <a:rPr lang="en-GB" sz="3000" dirty="0" err="1" smtClean="0">
+                <a:latin typeface="Times New Roman" panose="02020603050405020304" pitchFamily="18" charset="0"/>
+                <a:cs typeface="Times New Roman" panose="02020603050405020304" pitchFamily="18" charset="0"/>
+              </a:rPr>
+              <a:t>Phương</a:t>
+            </a:r>
+            <a:r>
+              <a:rPr lang="en-GB" sz="3000" dirty="0" smtClean="0">
+                <a:latin typeface="Times New Roman" panose="02020603050405020304" pitchFamily="18" charset="0"/>
+                <a:cs typeface="Times New Roman" panose="02020603050405020304" pitchFamily="18" charset="0"/>
+              </a:rPr>
+              <a:t> </a:t>
+            </a:r>
+            <a:r>
+              <a:rPr lang="en-GB" sz="3000" dirty="0" err="1" smtClean="0">
+                <a:latin typeface="Times New Roman" panose="02020603050405020304" pitchFamily="18" charset="0"/>
+                <a:cs typeface="Times New Roman" panose="02020603050405020304" pitchFamily="18" charset="0"/>
+              </a:rPr>
+              <a:t>thức</a:t>
+            </a:r>
+            <a:r>
+              <a:rPr lang="en-GB" sz="3000" dirty="0" smtClean="0">
+                <a:latin typeface="Times New Roman" panose="02020603050405020304" pitchFamily="18" charset="0"/>
+                <a:cs typeface="Times New Roman" panose="02020603050405020304" pitchFamily="18" charset="0"/>
+              </a:rPr>
+              <a:t> </a:t>
+            </a:r>
+            <a:r>
+              <a:rPr lang="en-GB" sz="3000" dirty="0" err="1" smtClean="0">
+                <a:latin typeface="Times New Roman" panose="02020603050405020304" pitchFamily="18" charset="0"/>
+                <a:cs typeface="Times New Roman" panose="02020603050405020304" pitchFamily="18" charset="0"/>
+              </a:rPr>
+              <a:t>mở</a:t>
+            </a:r>
+            <a:r>
+              <a:rPr lang="en-GB" sz="3000" dirty="0" smtClean="0">
+                <a:latin typeface="Times New Roman" panose="02020603050405020304" pitchFamily="18" charset="0"/>
+                <a:cs typeface="Times New Roman" panose="02020603050405020304" pitchFamily="18" charset="0"/>
+              </a:rPr>
+              <a:t> </a:t>
+            </a:r>
+            <a:r>
+              <a:rPr lang="en-GB" sz="3000" dirty="0" err="1" smtClean="0">
+                <a:latin typeface="Times New Roman" panose="02020603050405020304" pitchFamily="18" charset="0"/>
+                <a:cs typeface="Times New Roman" panose="02020603050405020304" pitchFamily="18" charset="0"/>
+              </a:rPr>
+              <a:t>rộng</a:t>
+            </a:r>
+            <a:r>
+              <a:rPr lang="en-GB" sz="3000" dirty="0" smtClean="0">
+                <a:latin typeface="Times New Roman" panose="02020603050405020304" pitchFamily="18" charset="0"/>
+                <a:cs typeface="Times New Roman" panose="02020603050405020304" pitchFamily="18" charset="0"/>
+              </a:rPr>
+              <a:t> (extension method).</a:t>
+            </a:r>
+          </a:p>
+          <a:p>
+            <a:pPr marL="0" indent="0" algn="just">
+              <a:buNone/>
+            </a:pPr>
+            <a:r>
+              <a:rPr lang="en-US" sz="3000" dirty="0" smtClean="0">
+                <a:latin typeface="Times New Roman" panose="02020603050405020304" pitchFamily="18" charset="0"/>
+                <a:cs typeface="Times New Roman" panose="02020603050405020304" pitchFamily="18" charset="0"/>
+              </a:rPr>
+              <a:t>	</a:t>
+            </a:r>
+            <a:r>
+              <a:rPr lang="vi-VN" sz="3000" dirty="0" smtClean="0">
+                <a:latin typeface="Times New Roman" panose="02020603050405020304" pitchFamily="18" charset="0"/>
+                <a:cs typeface="Times New Roman" panose="02020603050405020304" pitchFamily="18" charset="0"/>
+              </a:rPr>
+              <a:t>Gồm nhiều phương thức mở rộng nối tiếp nhau như một thác nước, mỗi phương thức mở rộng sẽ xử lý và trả về một tập kết quả ienumerable,  phương thức mở rộng tiếp theo tiếp tục sử dụng tập kết quả này để xử lý tiếp. Có thể sử dụng cú pháp này để xử lý cho tất cả các công việc, tuy nhiên do sử dụng biểu thức lambda nên mã khá khó đọc.</a:t>
+            </a:r>
+            <a:endParaRPr lang="en-US" sz="3000" dirty="0" smtClean="0">
+              <a:latin typeface="Times New Roman" panose="02020603050405020304" pitchFamily="18" charset="0"/>
+              <a:cs typeface="Times New Roman" panose="02020603050405020304" pitchFamily="18" charset="0"/>
+            </a:endParaRPr>
+          </a:p>
+        </p:txBody>
+      </p:sp>
+    </p:spTree>
+    <p:extLst>
+      <p:ext uri="{BB962C8B-B14F-4D97-AF65-F5344CB8AC3E}">
+        <p14:creationId xmlns:p14="http://schemas.microsoft.com/office/powerpoint/2010/main" val="1236830609"/>
+      </p:ext>
+    </p:extLst>
+  </p:cSld>
+  <p:clrMapOvr>
+    <a:masterClrMapping/>
+  </p:clrMapOvr>
+</p:sld>
+</file>
+
+<file path=ppt/slides/slide32.xml><?xml version="1.0" encoding="utf-8"?>
+<p:sld xmlns:a="http://schemas.openxmlformats.org/drawingml/2006/main" xmlns:r="http://schemas.openxmlformats.org/officeDocument/2006/relationships" xmlns:p="http://schemas.openxmlformats.org/presentationml/2006/main">
+  <p:cSld>
+    <p:spTree>
+      <p:nvGrpSpPr>
+        <p:cNvPr id="1" name=""/>
+        <p:cNvGrpSpPr/>
+        <p:nvPr/>
+      </p:nvGrpSpPr>
+      <p:grpSpPr>
+        <a:xfrm>
+          <a:off x="0" y="0"/>
+          <a:ext cx="0" cy="0"/>
+          <a:chOff x="0" y="0"/>
+          <a:chExt cx="0" cy="0"/>
+        </a:xfrm>
+      </p:grpSpPr>
+      <p:sp>
+        <p:nvSpPr>
+          <p:cNvPr id="2" name="Title 1"/>
+          <p:cNvSpPr>
+            <a:spLocks noGrp="1"/>
+          </p:cNvSpPr>
+          <p:nvPr>
+            <p:ph type="title"/>
+          </p:nvPr>
+        </p:nvSpPr>
+        <p:spPr/>
+        <p:txBody>
+          <a:bodyPr/>
+          <a:lstStyle/>
+          <a:p>
+            <a:pPr algn="ctr"/>
+            <a:r>
+              <a:rPr lang="en-US" sz="4800" dirty="0" smtClean="0">
+                <a:latin typeface="Times New Roman" panose="02020603050405020304" pitchFamily="18" charset="0"/>
+                <a:cs typeface="Times New Roman" panose="02020603050405020304" pitchFamily="18" charset="0"/>
+              </a:rPr>
+              <a:t>6. </a:t>
+            </a:r>
+            <a:r>
+              <a:rPr lang="en-US" sz="4800" dirty="0" err="1" smtClean="0">
+                <a:latin typeface="Times New Roman" panose="02020603050405020304" pitchFamily="18" charset="0"/>
+                <a:cs typeface="Times New Roman" panose="02020603050405020304" pitchFamily="18" charset="0"/>
+              </a:rPr>
+              <a:t>Truy</a:t>
+            </a:r>
+            <a:r>
+              <a:rPr lang="en-US" sz="4800" dirty="0" smtClean="0">
+                <a:latin typeface="Times New Roman" panose="02020603050405020304" pitchFamily="18" charset="0"/>
+                <a:cs typeface="Times New Roman" panose="02020603050405020304" pitchFamily="18" charset="0"/>
+              </a:rPr>
+              <a:t> </a:t>
+            </a:r>
+            <a:r>
+              <a:rPr lang="en-US" sz="4800" dirty="0" err="1" smtClean="0">
+                <a:latin typeface="Times New Roman" panose="02020603050405020304" pitchFamily="18" charset="0"/>
+                <a:cs typeface="Times New Roman" panose="02020603050405020304" pitchFamily="18" charset="0"/>
+              </a:rPr>
+              <a:t>vấn</a:t>
+            </a:r>
+            <a:r>
+              <a:rPr lang="en-US" sz="4800" dirty="0" smtClean="0">
+                <a:latin typeface="Times New Roman" panose="02020603050405020304" pitchFamily="18" charset="0"/>
+                <a:cs typeface="Times New Roman" panose="02020603050405020304" pitchFamily="18" charset="0"/>
+              </a:rPr>
+              <a:t> </a:t>
+            </a:r>
+            <a:r>
+              <a:rPr lang="en-US" sz="4800" dirty="0" err="1" smtClean="0">
+                <a:latin typeface="Times New Roman" panose="02020603050405020304" pitchFamily="18" charset="0"/>
+                <a:cs typeface="Times New Roman" panose="02020603050405020304" pitchFamily="18" charset="0"/>
+              </a:rPr>
+              <a:t>cơ</a:t>
+            </a:r>
+            <a:r>
+              <a:rPr lang="en-US" sz="4800" dirty="0" smtClean="0">
+                <a:latin typeface="Times New Roman" panose="02020603050405020304" pitchFamily="18" charset="0"/>
+                <a:cs typeface="Times New Roman" panose="02020603050405020304" pitchFamily="18" charset="0"/>
+              </a:rPr>
+              <a:t> </a:t>
+            </a:r>
+            <a:r>
+              <a:rPr lang="en-US" sz="4800" dirty="0" err="1" smtClean="0">
+                <a:latin typeface="Times New Roman" panose="02020603050405020304" pitchFamily="18" charset="0"/>
+                <a:cs typeface="Times New Roman" panose="02020603050405020304" pitchFamily="18" charset="0"/>
+              </a:rPr>
+              <a:t>bản</a:t>
+            </a:r>
+            <a:r>
+              <a:rPr lang="en-US" sz="4800" dirty="0" smtClean="0">
+                <a:latin typeface="Times New Roman" panose="02020603050405020304" pitchFamily="18" charset="0"/>
+                <a:cs typeface="Times New Roman" panose="02020603050405020304" pitchFamily="18" charset="0"/>
+              </a:rPr>
+              <a:t> </a:t>
+            </a:r>
+            <a:r>
+              <a:rPr lang="en-US" sz="4800" dirty="0" err="1" smtClean="0">
+                <a:latin typeface="Times New Roman" panose="02020603050405020304" pitchFamily="18" charset="0"/>
+                <a:cs typeface="Times New Roman" panose="02020603050405020304" pitchFamily="18" charset="0"/>
+              </a:rPr>
+              <a:t>trong</a:t>
+            </a:r>
+            <a:r>
+              <a:rPr lang="en-US" sz="4800" dirty="0" smtClean="0">
+                <a:latin typeface="Times New Roman" panose="02020603050405020304" pitchFamily="18" charset="0"/>
+                <a:cs typeface="Times New Roman" panose="02020603050405020304" pitchFamily="18" charset="0"/>
+              </a:rPr>
+              <a:t> LINQ</a:t>
+            </a:r>
+            <a:endParaRPr lang="en-US" sz="4800" dirty="0">
+              <a:latin typeface="Times New Roman" panose="02020603050405020304" pitchFamily="18" charset="0"/>
+              <a:cs typeface="Times New Roman" panose="02020603050405020304" pitchFamily="18" charset="0"/>
+            </a:endParaRPr>
+          </a:p>
+        </p:txBody>
+      </p:sp>
+      <p:sp>
+        <p:nvSpPr>
+          <p:cNvPr id="3" name="Content Placeholder 2"/>
+          <p:cNvSpPr>
+            <a:spLocks noGrp="1"/>
+          </p:cNvSpPr>
+          <p:nvPr>
+            <p:ph idx="1"/>
+          </p:nvPr>
+        </p:nvSpPr>
+        <p:spPr/>
+        <p:txBody>
+          <a:bodyPr>
+            <a:normAutofit/>
+          </a:bodyPr>
+          <a:lstStyle/>
+          <a:p>
+            <a:pPr marL="0" indent="0">
+              <a:buNone/>
+            </a:pPr>
+            <a:r>
+              <a:rPr lang="en-GB" sz="3000" dirty="0" err="1" smtClean="0">
+                <a:latin typeface="Times New Roman" panose="02020603050405020304" pitchFamily="18" charset="0"/>
+                <a:cs typeface="Times New Roman" panose="02020603050405020304" pitchFamily="18" charset="0"/>
+              </a:rPr>
+              <a:t>Biểu</a:t>
+            </a:r>
+            <a:r>
+              <a:rPr lang="en-GB" sz="3000" dirty="0" smtClean="0">
+                <a:latin typeface="Times New Roman" panose="02020603050405020304" pitchFamily="18" charset="0"/>
+                <a:cs typeface="Times New Roman" panose="02020603050405020304" pitchFamily="18" charset="0"/>
+              </a:rPr>
+              <a:t> </a:t>
+            </a:r>
+            <a:r>
+              <a:rPr lang="en-GB" sz="3000" dirty="0" err="1" smtClean="0">
+                <a:latin typeface="Times New Roman" panose="02020603050405020304" pitchFamily="18" charset="0"/>
+                <a:cs typeface="Times New Roman" panose="02020603050405020304" pitchFamily="18" charset="0"/>
+              </a:rPr>
+              <a:t>thức</a:t>
+            </a:r>
+            <a:r>
+              <a:rPr lang="en-GB" sz="3000" dirty="0" smtClean="0">
+                <a:latin typeface="Times New Roman" panose="02020603050405020304" pitchFamily="18" charset="0"/>
+                <a:cs typeface="Times New Roman" panose="02020603050405020304" pitchFamily="18" charset="0"/>
+              </a:rPr>
+              <a:t> </a:t>
+            </a:r>
+            <a:r>
+              <a:rPr lang="en-GB" sz="3000" dirty="0" err="1" smtClean="0">
+                <a:latin typeface="Times New Roman" panose="02020603050405020304" pitchFamily="18" charset="0"/>
+                <a:cs typeface="Times New Roman" panose="02020603050405020304" pitchFamily="18" charset="0"/>
+              </a:rPr>
+              <a:t>truy</a:t>
+            </a:r>
+            <a:r>
+              <a:rPr lang="en-GB" sz="3000" dirty="0" smtClean="0">
+                <a:latin typeface="Times New Roman" panose="02020603050405020304" pitchFamily="18" charset="0"/>
+                <a:cs typeface="Times New Roman" panose="02020603050405020304" pitchFamily="18" charset="0"/>
+              </a:rPr>
+              <a:t> </a:t>
+            </a:r>
+            <a:r>
+              <a:rPr lang="en-GB" sz="3000" dirty="0" err="1" smtClean="0">
+                <a:latin typeface="Times New Roman" panose="02020603050405020304" pitchFamily="18" charset="0"/>
+                <a:cs typeface="Times New Roman" panose="02020603050405020304" pitchFamily="18" charset="0"/>
+              </a:rPr>
+              <a:t>vấn</a:t>
+            </a:r>
+            <a:r>
+              <a:rPr lang="en-GB" sz="3000" dirty="0" smtClean="0">
+                <a:latin typeface="Times New Roman" panose="02020603050405020304" pitchFamily="18" charset="0"/>
+                <a:cs typeface="Times New Roman" panose="02020603050405020304" pitchFamily="18" charset="0"/>
+              </a:rPr>
+              <a:t> (query expression).</a:t>
+            </a:r>
+          </a:p>
+          <a:p>
+            <a:pPr marL="0" indent="0">
+              <a:buNone/>
+            </a:pPr>
+            <a:r>
+              <a:rPr lang="en-US" sz="3000" dirty="0" smtClean="0">
+                <a:latin typeface="Times New Roman" panose="02020603050405020304" pitchFamily="18" charset="0"/>
+                <a:cs typeface="Times New Roman" panose="02020603050405020304" pitchFamily="18" charset="0"/>
+              </a:rPr>
+              <a:t>	</a:t>
+            </a:r>
+            <a:r>
+              <a:rPr lang="en-US" sz="3000" dirty="0" err="1" smtClean="0">
+                <a:latin typeface="Times New Roman" panose="02020603050405020304" pitchFamily="18" charset="0"/>
+                <a:cs typeface="Times New Roman" panose="02020603050405020304" pitchFamily="18" charset="0"/>
+              </a:rPr>
+              <a:t>Có</a:t>
+            </a:r>
+            <a:r>
+              <a:rPr lang="en-US" sz="3000" dirty="0" smtClean="0">
+                <a:latin typeface="Times New Roman" panose="02020603050405020304" pitchFamily="18" charset="0"/>
+                <a:cs typeface="Times New Roman" panose="02020603050405020304" pitchFamily="18" charset="0"/>
+              </a:rPr>
+              <a:t> </a:t>
+            </a:r>
+            <a:r>
+              <a:rPr lang="en-US" sz="3000" dirty="0" err="1" smtClean="0">
+                <a:latin typeface="Times New Roman" panose="02020603050405020304" pitchFamily="18" charset="0"/>
+                <a:cs typeface="Times New Roman" panose="02020603050405020304" pitchFamily="18" charset="0"/>
+              </a:rPr>
+              <a:t>cú</a:t>
+            </a:r>
+            <a:r>
+              <a:rPr lang="en-US" sz="3000" dirty="0" smtClean="0">
+                <a:latin typeface="Times New Roman" panose="02020603050405020304" pitchFamily="18" charset="0"/>
+                <a:cs typeface="Times New Roman" panose="02020603050405020304" pitchFamily="18" charset="0"/>
+              </a:rPr>
+              <a:t> </a:t>
+            </a:r>
+            <a:r>
+              <a:rPr lang="en-US" sz="3000" dirty="0" err="1" smtClean="0">
+                <a:latin typeface="Times New Roman" panose="02020603050405020304" pitchFamily="18" charset="0"/>
+                <a:cs typeface="Times New Roman" panose="02020603050405020304" pitchFamily="18" charset="0"/>
+              </a:rPr>
+              <a:t>pháp</a:t>
+            </a:r>
+            <a:r>
+              <a:rPr lang="en-US" sz="3000" dirty="0" smtClean="0">
+                <a:latin typeface="Times New Roman" panose="02020603050405020304" pitchFamily="18" charset="0"/>
+                <a:cs typeface="Times New Roman" panose="02020603050405020304" pitchFamily="18" charset="0"/>
+              </a:rPr>
+              <a:t> </a:t>
+            </a:r>
+            <a:r>
+              <a:rPr lang="en-US" sz="3000" dirty="0" err="1" smtClean="0">
+                <a:latin typeface="Times New Roman" panose="02020603050405020304" pitchFamily="18" charset="0"/>
+                <a:cs typeface="Times New Roman" panose="02020603050405020304" pitchFamily="18" charset="0"/>
+              </a:rPr>
+              <a:t>gần</a:t>
+            </a:r>
+            <a:r>
+              <a:rPr lang="en-US" sz="3000" dirty="0" smtClean="0">
+                <a:latin typeface="Times New Roman" panose="02020603050405020304" pitchFamily="18" charset="0"/>
+                <a:cs typeface="Times New Roman" panose="02020603050405020304" pitchFamily="18" charset="0"/>
+              </a:rPr>
+              <a:t> </a:t>
+            </a:r>
+            <a:r>
+              <a:rPr lang="en-US" sz="3000" dirty="0" err="1" smtClean="0">
+                <a:latin typeface="Times New Roman" panose="02020603050405020304" pitchFamily="18" charset="0"/>
+                <a:cs typeface="Times New Roman" panose="02020603050405020304" pitchFamily="18" charset="0"/>
+              </a:rPr>
+              <a:t>giống</a:t>
+            </a:r>
+            <a:r>
+              <a:rPr lang="en-US" sz="3000" dirty="0" smtClean="0">
+                <a:latin typeface="Times New Roman" panose="02020603050405020304" pitchFamily="18" charset="0"/>
+                <a:cs typeface="Times New Roman" panose="02020603050405020304" pitchFamily="18" charset="0"/>
+              </a:rPr>
+              <a:t> </a:t>
+            </a:r>
+            <a:r>
+              <a:rPr lang="en-US" sz="3000" dirty="0" err="1" smtClean="0">
+                <a:latin typeface="Times New Roman" panose="02020603050405020304" pitchFamily="18" charset="0"/>
+                <a:cs typeface="Times New Roman" panose="02020603050405020304" pitchFamily="18" charset="0"/>
+              </a:rPr>
+              <a:t>với</a:t>
+            </a:r>
+            <a:r>
+              <a:rPr lang="en-US" sz="3000" dirty="0" smtClean="0">
+                <a:latin typeface="Times New Roman" panose="02020603050405020304" pitchFamily="18" charset="0"/>
+                <a:cs typeface="Times New Roman" panose="02020603050405020304" pitchFamily="18" charset="0"/>
+              </a:rPr>
+              <a:t> </a:t>
+            </a:r>
+            <a:r>
+              <a:rPr lang="en-US" sz="3000" dirty="0" err="1" smtClean="0">
+                <a:latin typeface="Times New Roman" panose="02020603050405020304" pitchFamily="18" charset="0"/>
+                <a:cs typeface="Times New Roman" panose="02020603050405020304" pitchFamily="18" charset="0"/>
+              </a:rPr>
+              <a:t>họ</a:t>
+            </a:r>
+            <a:r>
+              <a:rPr lang="en-US" sz="3000" dirty="0" smtClean="0">
+                <a:latin typeface="Times New Roman" panose="02020603050405020304" pitchFamily="18" charset="0"/>
+                <a:cs typeface="Times New Roman" panose="02020603050405020304" pitchFamily="18" charset="0"/>
+              </a:rPr>
+              <a:t> </a:t>
+            </a:r>
+            <a:r>
+              <a:rPr lang="en-US" sz="3000" dirty="0" err="1" smtClean="0">
+                <a:latin typeface="Times New Roman" panose="02020603050405020304" pitchFamily="18" charset="0"/>
+                <a:cs typeface="Times New Roman" panose="02020603050405020304" pitchFamily="18" charset="0"/>
+              </a:rPr>
+              <a:t>sql</a:t>
+            </a:r>
+            <a:r>
+              <a:rPr lang="en-US" sz="3000" dirty="0" smtClean="0">
+                <a:latin typeface="Times New Roman" panose="02020603050405020304" pitchFamily="18" charset="0"/>
+                <a:cs typeface="Times New Roman" panose="02020603050405020304" pitchFamily="18" charset="0"/>
+              </a:rPr>
+              <a:t>, </a:t>
+            </a:r>
+            <a:r>
+              <a:rPr lang="en-US" sz="3000" dirty="0" err="1" smtClean="0">
+                <a:latin typeface="Times New Roman" panose="02020603050405020304" pitchFamily="18" charset="0"/>
+                <a:cs typeface="Times New Roman" panose="02020603050405020304" pitchFamily="18" charset="0"/>
+              </a:rPr>
+              <a:t>loại</a:t>
+            </a:r>
+            <a:r>
+              <a:rPr lang="en-US" sz="3000" dirty="0" smtClean="0">
+                <a:latin typeface="Times New Roman" panose="02020603050405020304" pitchFamily="18" charset="0"/>
+                <a:cs typeface="Times New Roman" panose="02020603050405020304" pitchFamily="18" charset="0"/>
+              </a:rPr>
+              <a:t> </a:t>
+            </a:r>
+            <a:r>
+              <a:rPr lang="en-US" sz="3000" dirty="0" err="1" smtClean="0">
+                <a:latin typeface="Times New Roman" panose="02020603050405020304" pitchFamily="18" charset="0"/>
+                <a:cs typeface="Times New Roman" panose="02020603050405020304" pitchFamily="18" charset="0"/>
+              </a:rPr>
+              <a:t>bỏ</a:t>
+            </a:r>
+            <a:r>
+              <a:rPr lang="en-US" sz="3000" dirty="0" smtClean="0">
+                <a:latin typeface="Times New Roman" panose="02020603050405020304" pitchFamily="18" charset="0"/>
+                <a:cs typeface="Times New Roman" panose="02020603050405020304" pitchFamily="18" charset="0"/>
+              </a:rPr>
+              <a:t> </a:t>
+            </a:r>
+            <a:r>
+              <a:rPr lang="en-US" sz="3000" dirty="0" err="1" smtClean="0">
+                <a:latin typeface="Times New Roman" panose="02020603050405020304" pitchFamily="18" charset="0"/>
+                <a:cs typeface="Times New Roman" panose="02020603050405020304" pitchFamily="18" charset="0"/>
+              </a:rPr>
+              <a:t>hoàn</a:t>
+            </a:r>
+            <a:r>
+              <a:rPr lang="en-US" sz="3000" dirty="0" smtClean="0">
+                <a:latin typeface="Times New Roman" panose="02020603050405020304" pitchFamily="18" charset="0"/>
+                <a:cs typeface="Times New Roman" panose="02020603050405020304" pitchFamily="18" charset="0"/>
+              </a:rPr>
+              <a:t> </a:t>
+            </a:r>
+            <a:r>
+              <a:rPr lang="en-US" sz="3000" dirty="0" err="1" smtClean="0">
+                <a:latin typeface="Times New Roman" panose="02020603050405020304" pitchFamily="18" charset="0"/>
+                <a:cs typeface="Times New Roman" panose="02020603050405020304" pitchFamily="18" charset="0"/>
+              </a:rPr>
+              <a:t>toàn</a:t>
+            </a:r>
+            <a:r>
+              <a:rPr lang="en-US" sz="3000" dirty="0" smtClean="0">
+                <a:latin typeface="Times New Roman" panose="02020603050405020304" pitchFamily="18" charset="0"/>
+                <a:cs typeface="Times New Roman" panose="02020603050405020304" pitchFamily="18" charset="0"/>
+              </a:rPr>
+              <a:t> </a:t>
+            </a:r>
+            <a:r>
+              <a:rPr lang="en-US" sz="3000" dirty="0" err="1" smtClean="0">
+                <a:latin typeface="Times New Roman" panose="02020603050405020304" pitchFamily="18" charset="0"/>
+                <a:cs typeface="Times New Roman" panose="02020603050405020304" pitchFamily="18" charset="0"/>
+              </a:rPr>
+              <a:t>các</a:t>
+            </a:r>
+            <a:r>
+              <a:rPr lang="en-US" sz="3000" dirty="0" smtClean="0">
+                <a:latin typeface="Times New Roman" panose="02020603050405020304" pitchFamily="18" charset="0"/>
+                <a:cs typeface="Times New Roman" panose="02020603050405020304" pitchFamily="18" charset="0"/>
+              </a:rPr>
+              <a:t> </a:t>
+            </a:r>
+            <a:r>
+              <a:rPr lang="en-US" sz="3000" dirty="0" err="1" smtClean="0">
+                <a:latin typeface="Times New Roman" panose="02020603050405020304" pitchFamily="18" charset="0"/>
+                <a:cs typeface="Times New Roman" panose="02020603050405020304" pitchFamily="18" charset="0"/>
+              </a:rPr>
+              <a:t>biểu</a:t>
+            </a:r>
+            <a:r>
+              <a:rPr lang="en-US" sz="3000" dirty="0" smtClean="0">
+                <a:latin typeface="Times New Roman" panose="02020603050405020304" pitchFamily="18" charset="0"/>
+                <a:cs typeface="Times New Roman" panose="02020603050405020304" pitchFamily="18" charset="0"/>
+              </a:rPr>
+              <a:t> </a:t>
+            </a:r>
+            <a:r>
+              <a:rPr lang="en-US" sz="3000" dirty="0" err="1" smtClean="0">
+                <a:latin typeface="Times New Roman" panose="02020603050405020304" pitchFamily="18" charset="0"/>
+                <a:cs typeface="Times New Roman" panose="02020603050405020304" pitchFamily="18" charset="0"/>
+              </a:rPr>
+              <a:t>thức</a:t>
+            </a:r>
+            <a:r>
+              <a:rPr lang="en-US" sz="3000" dirty="0" smtClean="0">
+                <a:latin typeface="Times New Roman" panose="02020603050405020304" pitchFamily="18" charset="0"/>
+                <a:cs typeface="Times New Roman" panose="02020603050405020304" pitchFamily="18" charset="0"/>
+              </a:rPr>
+              <a:t> lambda </a:t>
+            </a:r>
+            <a:r>
+              <a:rPr lang="en-US" sz="3000" dirty="0" err="1" smtClean="0">
+                <a:latin typeface="Times New Roman" panose="02020603050405020304" pitchFamily="18" charset="0"/>
+                <a:cs typeface="Times New Roman" panose="02020603050405020304" pitchFamily="18" charset="0"/>
+              </a:rPr>
+              <a:t>nên</a:t>
+            </a:r>
+            <a:r>
+              <a:rPr lang="en-US" sz="3000" dirty="0" smtClean="0">
+                <a:latin typeface="Times New Roman" panose="02020603050405020304" pitchFamily="18" charset="0"/>
+                <a:cs typeface="Times New Roman" panose="02020603050405020304" pitchFamily="18" charset="0"/>
+              </a:rPr>
+              <a:t> </a:t>
+            </a:r>
+            <a:r>
+              <a:rPr lang="en-US" sz="3000" dirty="0" err="1" smtClean="0">
+                <a:latin typeface="Times New Roman" panose="02020603050405020304" pitchFamily="18" charset="0"/>
+                <a:cs typeface="Times New Roman" panose="02020603050405020304" pitchFamily="18" charset="0"/>
+              </a:rPr>
+              <a:t>mã</a:t>
+            </a:r>
+            <a:r>
+              <a:rPr lang="en-US" sz="3000" dirty="0" smtClean="0">
+                <a:latin typeface="Times New Roman" panose="02020603050405020304" pitchFamily="18" charset="0"/>
+                <a:cs typeface="Times New Roman" panose="02020603050405020304" pitchFamily="18" charset="0"/>
+              </a:rPr>
+              <a:t> </a:t>
+            </a:r>
+            <a:r>
+              <a:rPr lang="en-US" sz="3000" dirty="0" err="1" smtClean="0">
+                <a:latin typeface="Times New Roman" panose="02020603050405020304" pitchFamily="18" charset="0"/>
+                <a:cs typeface="Times New Roman" panose="02020603050405020304" pitchFamily="18" charset="0"/>
+              </a:rPr>
+              <a:t>rất</a:t>
+            </a:r>
+            <a:r>
+              <a:rPr lang="en-US" sz="3000" dirty="0" smtClean="0">
+                <a:latin typeface="Times New Roman" panose="02020603050405020304" pitchFamily="18" charset="0"/>
+                <a:cs typeface="Times New Roman" panose="02020603050405020304" pitchFamily="18" charset="0"/>
+              </a:rPr>
+              <a:t> </a:t>
+            </a:r>
+            <a:r>
+              <a:rPr lang="en-US" sz="3000" dirty="0" err="1" smtClean="0">
+                <a:latin typeface="Times New Roman" panose="02020603050405020304" pitchFamily="18" charset="0"/>
+                <a:cs typeface="Times New Roman" panose="02020603050405020304" pitchFamily="18" charset="0"/>
+              </a:rPr>
+              <a:t>trong</a:t>
+            </a:r>
+            <a:r>
+              <a:rPr lang="en-US" sz="3000" dirty="0" smtClean="0">
+                <a:latin typeface="Times New Roman" panose="02020603050405020304" pitchFamily="18" charset="0"/>
+                <a:cs typeface="Times New Roman" panose="02020603050405020304" pitchFamily="18" charset="0"/>
+              </a:rPr>
+              <a:t> </a:t>
+            </a:r>
+            <a:r>
+              <a:rPr lang="en-US" sz="3000" dirty="0" err="1" smtClean="0">
+                <a:latin typeface="Times New Roman" panose="02020603050405020304" pitchFamily="18" charset="0"/>
+                <a:cs typeface="Times New Roman" panose="02020603050405020304" pitchFamily="18" charset="0"/>
+              </a:rPr>
+              <a:t>sáng</a:t>
+            </a:r>
+            <a:r>
+              <a:rPr lang="en-US" sz="3000" dirty="0" smtClean="0">
+                <a:latin typeface="Times New Roman" panose="02020603050405020304" pitchFamily="18" charset="0"/>
+                <a:cs typeface="Times New Roman" panose="02020603050405020304" pitchFamily="18" charset="0"/>
+              </a:rPr>
+              <a:t>, </a:t>
+            </a:r>
+            <a:r>
+              <a:rPr lang="en-US" sz="3000" dirty="0" err="1" smtClean="0">
+                <a:latin typeface="Times New Roman" panose="02020603050405020304" pitchFamily="18" charset="0"/>
+                <a:cs typeface="Times New Roman" panose="02020603050405020304" pitchFamily="18" charset="0"/>
+              </a:rPr>
+              <a:t>dễ</a:t>
+            </a:r>
+            <a:r>
+              <a:rPr lang="en-US" sz="3000" dirty="0" smtClean="0">
+                <a:latin typeface="Times New Roman" panose="02020603050405020304" pitchFamily="18" charset="0"/>
+                <a:cs typeface="Times New Roman" panose="02020603050405020304" pitchFamily="18" charset="0"/>
+              </a:rPr>
+              <a:t> </a:t>
+            </a:r>
+            <a:r>
+              <a:rPr lang="en-US" sz="3000" dirty="0" err="1" smtClean="0">
+                <a:latin typeface="Times New Roman" panose="02020603050405020304" pitchFamily="18" charset="0"/>
+                <a:cs typeface="Times New Roman" panose="02020603050405020304" pitchFamily="18" charset="0"/>
+              </a:rPr>
+              <a:t>đọc</a:t>
+            </a:r>
+            <a:r>
+              <a:rPr lang="en-US" sz="3000" dirty="0" smtClean="0">
+                <a:latin typeface="Times New Roman" panose="02020603050405020304" pitchFamily="18" charset="0"/>
+                <a:cs typeface="Times New Roman" panose="02020603050405020304" pitchFamily="18" charset="0"/>
+              </a:rPr>
+              <a:t>.  </a:t>
+            </a:r>
+            <a:r>
+              <a:rPr lang="en-US" sz="3000" dirty="0" err="1" smtClean="0">
+                <a:latin typeface="Times New Roman" panose="02020603050405020304" pitchFamily="18" charset="0"/>
+                <a:cs typeface="Times New Roman" panose="02020603050405020304" pitchFamily="18" charset="0"/>
+              </a:rPr>
+              <a:t>Tuy</a:t>
+            </a:r>
+            <a:r>
+              <a:rPr lang="en-US" sz="3000" dirty="0" smtClean="0">
+                <a:latin typeface="Times New Roman" panose="02020603050405020304" pitchFamily="18" charset="0"/>
+                <a:cs typeface="Times New Roman" panose="02020603050405020304" pitchFamily="18" charset="0"/>
+              </a:rPr>
+              <a:t> </a:t>
+            </a:r>
+            <a:r>
+              <a:rPr lang="en-US" sz="3000" dirty="0" err="1" smtClean="0">
+                <a:latin typeface="Times New Roman" panose="02020603050405020304" pitchFamily="18" charset="0"/>
+                <a:cs typeface="Times New Roman" panose="02020603050405020304" pitchFamily="18" charset="0"/>
+              </a:rPr>
+              <a:t>nhiên</a:t>
+            </a:r>
+            <a:r>
+              <a:rPr lang="en-US" sz="3000" dirty="0" smtClean="0">
+                <a:latin typeface="Times New Roman" panose="02020603050405020304" pitchFamily="18" charset="0"/>
+                <a:cs typeface="Times New Roman" panose="02020603050405020304" pitchFamily="18" charset="0"/>
+              </a:rPr>
+              <a:t> </a:t>
+            </a:r>
+            <a:r>
+              <a:rPr lang="en-US" sz="3000" dirty="0" err="1" smtClean="0">
+                <a:latin typeface="Times New Roman" panose="02020603050405020304" pitchFamily="18" charset="0"/>
+                <a:cs typeface="Times New Roman" panose="02020603050405020304" pitchFamily="18" charset="0"/>
+              </a:rPr>
+              <a:t>nó</a:t>
+            </a:r>
+            <a:r>
+              <a:rPr lang="en-US" sz="3000" dirty="0" smtClean="0">
+                <a:latin typeface="Times New Roman" panose="02020603050405020304" pitchFamily="18" charset="0"/>
+                <a:cs typeface="Times New Roman" panose="02020603050405020304" pitchFamily="18" charset="0"/>
+              </a:rPr>
+              <a:t> </a:t>
+            </a:r>
+            <a:r>
+              <a:rPr lang="en-US" sz="3000" dirty="0" err="1" smtClean="0">
+                <a:latin typeface="Times New Roman" panose="02020603050405020304" pitchFamily="18" charset="0"/>
+                <a:cs typeface="Times New Roman" panose="02020603050405020304" pitchFamily="18" charset="0"/>
+              </a:rPr>
+              <a:t>không</a:t>
+            </a:r>
+            <a:r>
+              <a:rPr lang="en-US" sz="3000" dirty="0" smtClean="0">
+                <a:latin typeface="Times New Roman" panose="02020603050405020304" pitchFamily="18" charset="0"/>
+                <a:cs typeface="Times New Roman" panose="02020603050405020304" pitchFamily="18" charset="0"/>
+              </a:rPr>
+              <a:t> </a:t>
+            </a:r>
+            <a:r>
+              <a:rPr lang="en-US" sz="3000" dirty="0" err="1" smtClean="0">
+                <a:latin typeface="Times New Roman" panose="02020603050405020304" pitchFamily="18" charset="0"/>
+                <a:cs typeface="Times New Roman" panose="02020603050405020304" pitchFamily="18" charset="0"/>
+              </a:rPr>
+              <a:t>hỗ</a:t>
+            </a:r>
+            <a:r>
+              <a:rPr lang="en-US" sz="3000" dirty="0" smtClean="0">
+                <a:latin typeface="Times New Roman" panose="02020603050405020304" pitchFamily="18" charset="0"/>
+                <a:cs typeface="Times New Roman" panose="02020603050405020304" pitchFamily="18" charset="0"/>
+              </a:rPr>
+              <a:t> </a:t>
+            </a:r>
+            <a:r>
+              <a:rPr lang="en-US" sz="3000" dirty="0" err="1" smtClean="0">
+                <a:latin typeface="Times New Roman" panose="02020603050405020304" pitchFamily="18" charset="0"/>
+                <a:cs typeface="Times New Roman" panose="02020603050405020304" pitchFamily="18" charset="0"/>
+              </a:rPr>
+              <a:t>trợ</a:t>
+            </a:r>
+            <a:r>
+              <a:rPr lang="en-US" sz="3000" dirty="0" smtClean="0">
+                <a:latin typeface="Times New Roman" panose="02020603050405020304" pitchFamily="18" charset="0"/>
+                <a:cs typeface="Times New Roman" panose="02020603050405020304" pitchFamily="18" charset="0"/>
+              </a:rPr>
+              <a:t> </a:t>
+            </a:r>
+            <a:r>
+              <a:rPr lang="en-US" sz="3000" dirty="0" err="1" smtClean="0">
+                <a:latin typeface="Times New Roman" panose="02020603050405020304" pitchFamily="18" charset="0"/>
+                <a:cs typeface="Times New Roman" panose="02020603050405020304" pitchFamily="18" charset="0"/>
+              </a:rPr>
+              <a:t>đầy</a:t>
+            </a:r>
+            <a:r>
+              <a:rPr lang="en-US" sz="3000" dirty="0" smtClean="0">
+                <a:latin typeface="Times New Roman" panose="02020603050405020304" pitchFamily="18" charset="0"/>
+                <a:cs typeface="Times New Roman" panose="02020603050405020304" pitchFamily="18" charset="0"/>
+              </a:rPr>
+              <a:t> </a:t>
+            </a:r>
+            <a:r>
+              <a:rPr lang="en-US" sz="3000" dirty="0" err="1" smtClean="0">
+                <a:latin typeface="Times New Roman" panose="02020603050405020304" pitchFamily="18" charset="0"/>
+                <a:cs typeface="Times New Roman" panose="02020603050405020304" pitchFamily="18" charset="0"/>
+              </a:rPr>
+              <a:t>đủ</a:t>
+            </a:r>
+            <a:r>
+              <a:rPr lang="en-US" sz="3000" dirty="0" smtClean="0">
+                <a:latin typeface="Times New Roman" panose="02020603050405020304" pitchFamily="18" charset="0"/>
+                <a:cs typeface="Times New Roman" panose="02020603050405020304" pitchFamily="18" charset="0"/>
+              </a:rPr>
+              <a:t> </a:t>
+            </a:r>
+            <a:r>
+              <a:rPr lang="en-US" sz="3000" dirty="0" err="1" smtClean="0">
+                <a:latin typeface="Times New Roman" panose="02020603050405020304" pitchFamily="18" charset="0"/>
+                <a:cs typeface="Times New Roman" panose="02020603050405020304" pitchFamily="18" charset="0"/>
+              </a:rPr>
+              <a:t>các</a:t>
+            </a:r>
+            <a:r>
+              <a:rPr lang="en-US" sz="3000" dirty="0" smtClean="0">
+                <a:latin typeface="Times New Roman" panose="02020603050405020304" pitchFamily="18" charset="0"/>
+                <a:cs typeface="Times New Roman" panose="02020603050405020304" pitchFamily="18" charset="0"/>
+              </a:rPr>
+              <a:t> </a:t>
+            </a:r>
+            <a:r>
+              <a:rPr lang="en-US" sz="3000" dirty="0" err="1" smtClean="0">
+                <a:latin typeface="Times New Roman" panose="02020603050405020304" pitchFamily="18" charset="0"/>
+                <a:cs typeface="Times New Roman" panose="02020603050405020304" pitchFamily="18" charset="0"/>
+              </a:rPr>
+              <a:t>toán</a:t>
+            </a:r>
+            <a:r>
+              <a:rPr lang="en-US" sz="3000" dirty="0" smtClean="0">
+                <a:latin typeface="Times New Roman" panose="02020603050405020304" pitchFamily="18" charset="0"/>
+                <a:cs typeface="Times New Roman" panose="02020603050405020304" pitchFamily="18" charset="0"/>
+              </a:rPr>
+              <a:t> </a:t>
+            </a:r>
+            <a:r>
+              <a:rPr lang="en-US" sz="3000" dirty="0" err="1" smtClean="0">
+                <a:latin typeface="Times New Roman" panose="02020603050405020304" pitchFamily="18" charset="0"/>
+                <a:cs typeface="Times New Roman" panose="02020603050405020304" pitchFamily="18" charset="0"/>
+              </a:rPr>
+              <a:t>tử</a:t>
+            </a:r>
+            <a:r>
+              <a:rPr lang="en-US" sz="3000" dirty="0" smtClean="0">
+                <a:latin typeface="Times New Roman" panose="02020603050405020304" pitchFamily="18" charset="0"/>
+                <a:cs typeface="Times New Roman" panose="02020603050405020304" pitchFamily="18" charset="0"/>
+              </a:rPr>
+              <a:t> </a:t>
+            </a:r>
+            <a:r>
+              <a:rPr lang="en-US" sz="3000" dirty="0" err="1" smtClean="0">
+                <a:latin typeface="Times New Roman" panose="02020603050405020304" pitchFamily="18" charset="0"/>
+                <a:cs typeface="Times New Roman" panose="02020603050405020304" pitchFamily="18" charset="0"/>
+              </a:rPr>
+              <a:t>truy</a:t>
+            </a:r>
+            <a:r>
+              <a:rPr lang="en-US" sz="3000" dirty="0" smtClean="0">
+                <a:latin typeface="Times New Roman" panose="02020603050405020304" pitchFamily="18" charset="0"/>
+                <a:cs typeface="Times New Roman" panose="02020603050405020304" pitchFamily="18" charset="0"/>
+              </a:rPr>
+              <a:t> </a:t>
+            </a:r>
+            <a:r>
+              <a:rPr lang="en-US" sz="3000" dirty="0" err="1" smtClean="0">
+                <a:latin typeface="Times New Roman" panose="02020603050405020304" pitchFamily="18" charset="0"/>
+                <a:cs typeface="Times New Roman" panose="02020603050405020304" pitchFamily="18" charset="0"/>
+              </a:rPr>
+              <a:t>vấn</a:t>
+            </a:r>
+            <a:r>
+              <a:rPr lang="en-US" sz="3000" dirty="0" smtClean="0">
+                <a:latin typeface="Times New Roman" panose="02020603050405020304" pitchFamily="18" charset="0"/>
+                <a:cs typeface="Times New Roman" panose="02020603050405020304" pitchFamily="18" charset="0"/>
+              </a:rPr>
+              <a:t> </a:t>
+            </a:r>
+            <a:r>
+              <a:rPr lang="en-US" sz="3000" dirty="0" err="1" smtClean="0">
+                <a:latin typeface="Times New Roman" panose="02020603050405020304" pitchFamily="18" charset="0"/>
+                <a:cs typeface="Times New Roman" panose="02020603050405020304" pitchFamily="18" charset="0"/>
+              </a:rPr>
+              <a:t>nên</a:t>
+            </a:r>
+            <a:r>
+              <a:rPr lang="en-US" sz="3000" dirty="0" smtClean="0">
+                <a:latin typeface="Times New Roman" panose="02020603050405020304" pitchFamily="18" charset="0"/>
+                <a:cs typeface="Times New Roman" panose="02020603050405020304" pitchFamily="18" charset="0"/>
+              </a:rPr>
+              <a:t> </a:t>
+            </a:r>
+            <a:r>
+              <a:rPr lang="en-US" sz="3000" dirty="0" err="1" smtClean="0">
+                <a:latin typeface="Times New Roman" panose="02020603050405020304" pitchFamily="18" charset="0"/>
+                <a:cs typeface="Times New Roman" panose="02020603050405020304" pitchFamily="18" charset="0"/>
+              </a:rPr>
+              <a:t>có</a:t>
+            </a:r>
+            <a:r>
+              <a:rPr lang="en-US" sz="3000" dirty="0" smtClean="0">
+                <a:latin typeface="Times New Roman" panose="02020603050405020304" pitchFamily="18" charset="0"/>
+                <a:cs typeface="Times New Roman" panose="02020603050405020304" pitchFamily="18" charset="0"/>
+              </a:rPr>
+              <a:t> </a:t>
+            </a:r>
+            <a:r>
+              <a:rPr lang="en-US" sz="3000" dirty="0" err="1" smtClean="0">
+                <a:latin typeface="Times New Roman" panose="02020603050405020304" pitchFamily="18" charset="0"/>
+                <a:cs typeface="Times New Roman" panose="02020603050405020304" pitchFamily="18" charset="0"/>
+              </a:rPr>
+              <a:t>một</a:t>
+            </a:r>
+            <a:r>
+              <a:rPr lang="en-US" sz="3000" dirty="0" smtClean="0">
+                <a:latin typeface="Times New Roman" panose="02020603050405020304" pitchFamily="18" charset="0"/>
+                <a:cs typeface="Times New Roman" panose="02020603050405020304" pitchFamily="18" charset="0"/>
+              </a:rPr>
+              <a:t> </a:t>
+            </a:r>
+            <a:r>
+              <a:rPr lang="en-US" sz="3000" dirty="0" err="1" smtClean="0">
+                <a:latin typeface="Times New Roman" panose="02020603050405020304" pitchFamily="18" charset="0"/>
+                <a:cs typeface="Times New Roman" panose="02020603050405020304" pitchFamily="18" charset="0"/>
+              </a:rPr>
+              <a:t>số</a:t>
+            </a:r>
+            <a:r>
+              <a:rPr lang="en-US" sz="3000" dirty="0" smtClean="0">
+                <a:latin typeface="Times New Roman" panose="02020603050405020304" pitchFamily="18" charset="0"/>
+                <a:cs typeface="Times New Roman" panose="02020603050405020304" pitchFamily="18" charset="0"/>
+              </a:rPr>
+              <a:t> </a:t>
+            </a:r>
+            <a:r>
+              <a:rPr lang="en-US" sz="3000" dirty="0" err="1" smtClean="0">
+                <a:latin typeface="Times New Roman" panose="02020603050405020304" pitchFamily="18" charset="0"/>
+                <a:cs typeface="Times New Roman" panose="02020603050405020304" pitchFamily="18" charset="0"/>
+              </a:rPr>
+              <a:t>công</a:t>
+            </a:r>
+            <a:r>
+              <a:rPr lang="en-US" sz="3000" dirty="0" smtClean="0">
+                <a:latin typeface="Times New Roman" panose="02020603050405020304" pitchFamily="18" charset="0"/>
+                <a:cs typeface="Times New Roman" panose="02020603050405020304" pitchFamily="18" charset="0"/>
+              </a:rPr>
+              <a:t> </a:t>
+            </a:r>
+            <a:r>
+              <a:rPr lang="en-US" sz="3000" dirty="0" err="1" smtClean="0">
+                <a:latin typeface="Times New Roman" panose="02020603050405020304" pitchFamily="18" charset="0"/>
+                <a:cs typeface="Times New Roman" panose="02020603050405020304" pitchFamily="18" charset="0"/>
+              </a:rPr>
+              <a:t>việc</a:t>
+            </a:r>
+            <a:r>
+              <a:rPr lang="en-US" sz="3000" dirty="0" smtClean="0">
+                <a:latin typeface="Times New Roman" panose="02020603050405020304" pitchFamily="18" charset="0"/>
+                <a:cs typeface="Times New Roman" panose="02020603050405020304" pitchFamily="18" charset="0"/>
+              </a:rPr>
+              <a:t> </a:t>
+            </a:r>
+            <a:r>
+              <a:rPr lang="en-US" sz="3000" dirty="0" err="1" smtClean="0">
+                <a:latin typeface="Times New Roman" panose="02020603050405020304" pitchFamily="18" charset="0"/>
+                <a:cs typeface="Times New Roman" panose="02020603050405020304" pitchFamily="18" charset="0"/>
+              </a:rPr>
+              <a:t>không</a:t>
+            </a:r>
+            <a:r>
+              <a:rPr lang="en-US" sz="3000" dirty="0" smtClean="0">
+                <a:latin typeface="Times New Roman" panose="02020603050405020304" pitchFamily="18" charset="0"/>
+                <a:cs typeface="Times New Roman" panose="02020603050405020304" pitchFamily="18" charset="0"/>
+              </a:rPr>
+              <a:t> </a:t>
+            </a:r>
+            <a:r>
+              <a:rPr lang="en-US" sz="3000" dirty="0" err="1" smtClean="0">
+                <a:latin typeface="Times New Roman" panose="02020603050405020304" pitchFamily="18" charset="0"/>
+                <a:cs typeface="Times New Roman" panose="02020603050405020304" pitchFamily="18" charset="0"/>
+              </a:rPr>
+              <a:t>thể</a:t>
+            </a:r>
+            <a:r>
+              <a:rPr lang="en-US" sz="3000" dirty="0" smtClean="0">
+                <a:latin typeface="Times New Roman" panose="02020603050405020304" pitchFamily="18" charset="0"/>
+                <a:cs typeface="Times New Roman" panose="02020603050405020304" pitchFamily="18" charset="0"/>
+              </a:rPr>
+              <a:t> </a:t>
+            </a:r>
+            <a:r>
+              <a:rPr lang="en-US" sz="3000" dirty="0" err="1" smtClean="0">
+                <a:latin typeface="Times New Roman" panose="02020603050405020304" pitchFamily="18" charset="0"/>
+                <a:cs typeface="Times New Roman" panose="02020603050405020304" pitchFamily="18" charset="0"/>
+              </a:rPr>
+              <a:t>viết</a:t>
+            </a:r>
+            <a:r>
+              <a:rPr lang="en-US" sz="3000" dirty="0" smtClean="0">
+                <a:latin typeface="Times New Roman" panose="02020603050405020304" pitchFamily="18" charset="0"/>
+                <a:cs typeface="Times New Roman" panose="02020603050405020304" pitchFamily="18" charset="0"/>
+              </a:rPr>
+              <a:t> </a:t>
+            </a:r>
+            <a:r>
+              <a:rPr lang="en-US" sz="3000" dirty="0" err="1" smtClean="0">
+                <a:latin typeface="Times New Roman" panose="02020603050405020304" pitchFamily="18" charset="0"/>
+                <a:cs typeface="Times New Roman" panose="02020603050405020304" pitchFamily="18" charset="0"/>
+              </a:rPr>
+              <a:t>bằng</a:t>
+            </a:r>
+            <a:r>
+              <a:rPr lang="en-US" sz="3000" dirty="0" smtClean="0">
+                <a:latin typeface="Times New Roman" panose="02020603050405020304" pitchFamily="18" charset="0"/>
+                <a:cs typeface="Times New Roman" panose="02020603050405020304" pitchFamily="18" charset="0"/>
+              </a:rPr>
+              <a:t> </a:t>
+            </a:r>
+            <a:r>
+              <a:rPr lang="en-US" sz="3000" dirty="0" err="1" smtClean="0">
+                <a:latin typeface="Times New Roman" panose="02020603050405020304" pitchFamily="18" charset="0"/>
+                <a:cs typeface="Times New Roman" panose="02020603050405020304" pitchFamily="18" charset="0"/>
+              </a:rPr>
+              <a:t>biểu</a:t>
+            </a:r>
+            <a:r>
+              <a:rPr lang="en-US" sz="3000" dirty="0" smtClean="0">
+                <a:latin typeface="Times New Roman" panose="02020603050405020304" pitchFamily="18" charset="0"/>
+                <a:cs typeface="Times New Roman" panose="02020603050405020304" pitchFamily="18" charset="0"/>
+              </a:rPr>
+              <a:t> </a:t>
+            </a:r>
+            <a:r>
+              <a:rPr lang="en-US" sz="3000" dirty="0" err="1" smtClean="0">
+                <a:latin typeface="Times New Roman" panose="02020603050405020304" pitchFamily="18" charset="0"/>
+                <a:cs typeface="Times New Roman" panose="02020603050405020304" pitchFamily="18" charset="0"/>
+              </a:rPr>
+              <a:t>thức</a:t>
+            </a:r>
+            <a:r>
+              <a:rPr lang="en-US" sz="3000" dirty="0" smtClean="0">
+                <a:latin typeface="Times New Roman" panose="02020603050405020304" pitchFamily="18" charset="0"/>
+                <a:cs typeface="Times New Roman" panose="02020603050405020304" pitchFamily="18" charset="0"/>
+              </a:rPr>
+              <a:t> </a:t>
+            </a:r>
+            <a:r>
+              <a:rPr lang="en-US" sz="3000" dirty="0" err="1" smtClean="0">
+                <a:latin typeface="Times New Roman" panose="02020603050405020304" pitchFamily="18" charset="0"/>
+                <a:cs typeface="Times New Roman" panose="02020603050405020304" pitchFamily="18" charset="0"/>
+              </a:rPr>
+              <a:t>truy</a:t>
+            </a:r>
+            <a:r>
+              <a:rPr lang="en-US" sz="3000" dirty="0" smtClean="0">
+                <a:latin typeface="Times New Roman" panose="02020603050405020304" pitchFamily="18" charset="0"/>
+                <a:cs typeface="Times New Roman" panose="02020603050405020304" pitchFamily="18" charset="0"/>
+              </a:rPr>
+              <a:t> </a:t>
+            </a:r>
+            <a:r>
+              <a:rPr lang="en-US" sz="3000" dirty="0" err="1" smtClean="0">
+                <a:latin typeface="Times New Roman" panose="02020603050405020304" pitchFamily="18" charset="0"/>
+                <a:cs typeface="Times New Roman" panose="02020603050405020304" pitchFamily="18" charset="0"/>
+              </a:rPr>
+              <a:t>vấn</a:t>
+            </a:r>
+            <a:r>
+              <a:rPr lang="en-US" sz="3000" dirty="0" smtClean="0">
+                <a:latin typeface="Times New Roman" panose="02020603050405020304" pitchFamily="18" charset="0"/>
+                <a:cs typeface="Times New Roman" panose="02020603050405020304" pitchFamily="18" charset="0"/>
+              </a:rPr>
+              <a:t>.</a:t>
+            </a:r>
+            <a:endParaRPr lang="en-US" sz="3000" dirty="0">
+              <a:latin typeface="Times New Roman" panose="02020603050405020304" pitchFamily="18" charset="0"/>
+              <a:cs typeface="Times New Roman" panose="02020603050405020304" pitchFamily="18" charset="0"/>
+            </a:endParaRPr>
+          </a:p>
+        </p:txBody>
+      </p:sp>
+      <p:sp>
+        <p:nvSpPr>
+          <p:cNvPr id="4" name="Rectangle 1"/>
+          <p:cNvSpPr>
+            <a:spLocks noChangeArrowheads="1"/>
+          </p:cNvSpPr>
+          <p:nvPr/>
+        </p:nvSpPr>
+        <p:spPr bwMode="auto">
+          <a:xfrm>
+            <a:off x="6095968" y="90100"/>
+            <a:ext cx="65" cy="276999"/>
+          </a:xfrm>
+          <a:prstGeom prst="rect">
+            <a:avLst/>
+          </a:prstGeom>
+          <a:solidFill>
+            <a:srgbClr val="FFFFFF"/>
+          </a:solidFill>
+          <a:ln>
+            <a:noFill/>
+          </a:ln>
+          <a:effectLst/>
+          <a:extLst>
+            <a:ext uri="{91240B29-F687-4F45-9708-019B960494DF}">
+              <a14:hiddenLine xmlns:a14="http://schemas.microsoft.com/office/drawing/2010/main" w="9525">
+                <a:solidFill>
+                  <a:schemeClr val="tx1"/>
+                </a:solidFill>
+                <a:miter lim="800000"/>
+                <a:headEnd/>
+                <a:tailEnd/>
+              </a14:hiddenLine>
+            </a:ext>
+            <a:ext uri="{AF507438-7753-43E0-B8FC-AC1667EBCBE1}">
+              <a14:hiddenEffects xmlns:a14="http://schemas.microsoft.com/office/drawing/2010/main">
+                <a:effectLst>
+                  <a:outerShdw dist="35921" dir="2700000" algn="ctr" rotWithShape="0">
+                    <a:schemeClr val="bg2"/>
+                  </a:outerShdw>
+                </a:effectLst>
+              </a14:hiddenEffects>
+            </a:ext>
+          </a:extLst>
+        </p:spPr>
+        <p:txBody>
+          <a:bodyPr vert="horz" wrap="none" lIns="0" tIns="0" rIns="0" bIns="0" numCol="1" anchor="ctr" anchorCtr="0" compatLnSpc="1">
+            <a:prstTxWarp prst="textNoShape">
+              <a:avLst/>
+            </a:prstTxWarp>
+            <a:spAutoFit/>
+          </a:bodyPr>
+          <a:lstStyle>
+            <a:lvl1pPr eaLnBrk="0" fontAlgn="base" hangingPunct="0">
+              <a:spcBef>
+                <a:spcPct val="0"/>
+              </a:spcBef>
+              <a:spcAft>
+                <a:spcPct val="0"/>
+              </a:spcAft>
+              <a:defRPr>
+                <a:solidFill>
+                  <a:schemeClr val="tx1"/>
+                </a:solidFill>
+                <a:latin typeface="Arial" panose="020B0604020202020204" pitchFamily="34" charset="0"/>
+              </a:defRPr>
+            </a:lvl1pPr>
+            <a:lvl2pPr eaLnBrk="0" fontAlgn="base" hangingPunct="0">
+              <a:spcBef>
+                <a:spcPct val="0"/>
+              </a:spcBef>
+              <a:spcAft>
+                <a:spcPct val="0"/>
+              </a:spcAft>
+              <a:defRPr>
+                <a:solidFill>
+                  <a:schemeClr val="tx1"/>
+                </a:solidFill>
+                <a:latin typeface="Arial" panose="020B0604020202020204" pitchFamily="34" charset="0"/>
+              </a:defRPr>
+            </a:lvl2pPr>
+            <a:lvl3pPr eaLnBrk="0" fontAlgn="base" hangingPunct="0">
+              <a:spcBef>
+                <a:spcPct val="0"/>
+              </a:spcBef>
+              <a:spcAft>
+                <a:spcPct val="0"/>
+              </a:spcAft>
+              <a:defRPr>
+                <a:solidFill>
+                  <a:schemeClr val="tx1"/>
+                </a:solidFill>
+                <a:latin typeface="Arial" panose="020B0604020202020204" pitchFamily="34" charset="0"/>
+              </a:defRPr>
+            </a:lvl3pPr>
+            <a:lvl4pPr eaLnBrk="0" fontAlgn="base" hangingPunct="0">
+              <a:spcBef>
+                <a:spcPct val="0"/>
+              </a:spcBef>
+              <a:spcAft>
+                <a:spcPct val="0"/>
+              </a:spcAft>
+              <a:defRPr>
+                <a:solidFill>
+                  <a:schemeClr val="tx1"/>
+                </a:solidFill>
+                <a:latin typeface="Arial" panose="020B0604020202020204" pitchFamily="34" charset="0"/>
+              </a:defRPr>
+            </a:lvl4pPr>
+            <a:lvl5pPr eaLnBrk="0" fontAlgn="base" hangingPunct="0">
+              <a:spcBef>
+                <a:spcPct val="0"/>
+              </a:spcBef>
+              <a:spcAft>
+                <a:spcPct val="0"/>
+              </a:spcAft>
+              <a:defRPr>
+                <a:solidFill>
+                  <a:schemeClr val="tx1"/>
+                </a:solidFill>
+                <a:latin typeface="Arial" panose="020B0604020202020204" pitchFamily="34" charset="0"/>
+              </a:defRPr>
+            </a:lvl5pPr>
+            <a:lvl6pPr eaLnBrk="0" fontAlgn="base" hangingPunct="0">
+              <a:spcBef>
+                <a:spcPct val="0"/>
+              </a:spcBef>
+              <a:spcAft>
+                <a:spcPct val="0"/>
+              </a:spcAft>
+              <a:defRPr>
+                <a:solidFill>
+                  <a:schemeClr val="tx1"/>
+                </a:solidFill>
+                <a:latin typeface="Arial" panose="020B0604020202020204" pitchFamily="34" charset="0"/>
+              </a:defRPr>
+            </a:lvl6pPr>
+            <a:lvl7pPr eaLnBrk="0" fontAlgn="base" hangingPunct="0">
+              <a:spcBef>
+                <a:spcPct val="0"/>
+              </a:spcBef>
+              <a:spcAft>
+                <a:spcPct val="0"/>
+              </a:spcAft>
+              <a:defRPr>
+                <a:solidFill>
+                  <a:schemeClr val="tx1"/>
+                </a:solidFill>
+                <a:latin typeface="Arial" panose="020B0604020202020204" pitchFamily="34" charset="0"/>
+              </a:defRPr>
+            </a:lvl7pPr>
+            <a:lvl8pPr eaLnBrk="0" fontAlgn="base" hangingPunct="0">
+              <a:spcBef>
+                <a:spcPct val="0"/>
+              </a:spcBef>
+              <a:spcAft>
+                <a:spcPct val="0"/>
+              </a:spcAft>
+              <a:defRPr>
+                <a:solidFill>
+                  <a:schemeClr val="tx1"/>
+                </a:solidFill>
+                <a:latin typeface="Arial" panose="020B0604020202020204" pitchFamily="34" charset="0"/>
+              </a:defRPr>
+            </a:lvl8pPr>
+            <a:lvl9pPr eaLnBrk="0" fontAlgn="base" hangingPunct="0">
+              <a:spcBef>
+                <a:spcPct val="0"/>
+              </a:spcBef>
+              <a:spcAft>
+                <a:spcPct val="0"/>
+              </a:spcAft>
+              <a:defRPr>
+                <a:solidFill>
+                  <a:schemeClr val="tx1"/>
+                </a:solidFill>
+                <a:latin typeface="Arial" panose="020B0604020202020204" pitchFamily="34" charset="0"/>
+              </a:defRPr>
+            </a:lvl9pPr>
+          </a:lstStyle>
+          <a:p>
+            <a:pPr marL="0" marR="0" lvl="0" indent="0" algn="just" defTabSz="914400" rtl="0" eaLnBrk="0" fontAlgn="base" latinLnBrk="0" hangingPunct="0">
+              <a:lnSpc>
+                <a:spcPct val="100000"/>
+              </a:lnSpc>
+              <a:spcBef>
+                <a:spcPct val="0"/>
+              </a:spcBef>
+              <a:spcAft>
+                <a:spcPct val="0"/>
+              </a:spcAft>
+              <a:buClrTx/>
+              <a:buSzTx/>
+              <a:buFontTx/>
+              <a:buNone/>
+              <a:tabLst/>
+            </a:pPr>
+            <a:endParaRPr kumimoji="0" lang="en-US" altLang="en-US" sz="1800" b="0" i="0" u="none" strike="noStrike" cap="none" normalizeH="0" baseline="0" dirty="0" smtClean="0">
+              <a:ln>
+                <a:noFill/>
+              </a:ln>
+              <a:solidFill>
+                <a:schemeClr val="tx1"/>
+              </a:solidFill>
+              <a:effectLst/>
+              <a:latin typeface="Arial" panose="020B0604020202020204" pitchFamily="34" charset="0"/>
+            </a:endParaRPr>
+          </a:p>
+        </p:txBody>
+      </p:sp>
+    </p:spTree>
+    <p:extLst>
+      <p:ext uri="{BB962C8B-B14F-4D97-AF65-F5344CB8AC3E}">
+        <p14:creationId xmlns:p14="http://schemas.microsoft.com/office/powerpoint/2010/main" val="3038920018"/>
+      </p:ext>
+    </p:extLst>
+  </p:cSld>
+  <p:clrMapOvr>
+    <a:masterClrMapping/>
+  </p:clrMapOvr>
+</p:sld>
+</file>
+
+<file path=ppt/slides/slide33.xml><?xml version="1.0" encoding="utf-8"?>
+<p:sld xmlns:a="http://schemas.openxmlformats.org/drawingml/2006/main" xmlns:r="http://schemas.openxmlformats.org/officeDocument/2006/relationships" xmlns:p="http://schemas.openxmlformats.org/presentationml/2006/main">
+  <p:cSld>
+    <p:spTree>
+      <p:nvGrpSpPr>
+        <p:cNvPr id="1" name=""/>
+        <p:cNvGrpSpPr/>
+        <p:nvPr/>
+      </p:nvGrpSpPr>
+      <p:grpSpPr>
+        <a:xfrm>
+          <a:off x="0" y="0"/>
+          <a:ext cx="0" cy="0"/>
+          <a:chOff x="0" y="0"/>
+          <a:chExt cx="0" cy="0"/>
+        </a:xfrm>
+      </p:grpSpPr>
+      <p:sp>
+        <p:nvSpPr>
+          <p:cNvPr id="2" name="Title 1"/>
+          <p:cNvSpPr>
+            <a:spLocks noGrp="1"/>
+          </p:cNvSpPr>
+          <p:nvPr>
+            <p:ph type="title"/>
+          </p:nvPr>
+        </p:nvSpPr>
+        <p:spPr/>
+        <p:txBody>
+          <a:bodyPr/>
+          <a:lstStyle/>
+          <a:p>
+            <a:pPr algn="ctr"/>
+            <a:r>
+              <a:rPr lang="en-US" sz="4800" dirty="0" smtClean="0">
+                <a:latin typeface="Times New Roman" panose="02020603050405020304" pitchFamily="18" charset="0"/>
+                <a:cs typeface="Times New Roman" panose="02020603050405020304" pitchFamily="18" charset="0"/>
+              </a:rPr>
+              <a:t>6. </a:t>
+            </a:r>
+            <a:r>
+              <a:rPr lang="en-US" sz="4800" dirty="0" err="1" smtClean="0">
+                <a:latin typeface="Times New Roman" panose="02020603050405020304" pitchFamily="18" charset="0"/>
+                <a:cs typeface="Times New Roman" panose="02020603050405020304" pitchFamily="18" charset="0"/>
+              </a:rPr>
+              <a:t>Truy</a:t>
+            </a:r>
+            <a:r>
+              <a:rPr lang="en-US" sz="4800" dirty="0" smtClean="0">
+                <a:latin typeface="Times New Roman" panose="02020603050405020304" pitchFamily="18" charset="0"/>
+                <a:cs typeface="Times New Roman" panose="02020603050405020304" pitchFamily="18" charset="0"/>
+              </a:rPr>
+              <a:t> </a:t>
+            </a:r>
+            <a:r>
+              <a:rPr lang="en-US" sz="4800" dirty="0" err="1" smtClean="0">
+                <a:latin typeface="Times New Roman" panose="02020603050405020304" pitchFamily="18" charset="0"/>
+                <a:cs typeface="Times New Roman" panose="02020603050405020304" pitchFamily="18" charset="0"/>
+              </a:rPr>
+              <a:t>vấn</a:t>
+            </a:r>
+            <a:r>
+              <a:rPr lang="en-US" sz="4800" dirty="0" smtClean="0">
+                <a:latin typeface="Times New Roman" panose="02020603050405020304" pitchFamily="18" charset="0"/>
+                <a:cs typeface="Times New Roman" panose="02020603050405020304" pitchFamily="18" charset="0"/>
+              </a:rPr>
+              <a:t> </a:t>
+            </a:r>
+            <a:r>
+              <a:rPr lang="en-US" sz="4800" dirty="0" err="1" smtClean="0">
+                <a:latin typeface="Times New Roman" panose="02020603050405020304" pitchFamily="18" charset="0"/>
+                <a:cs typeface="Times New Roman" panose="02020603050405020304" pitchFamily="18" charset="0"/>
+              </a:rPr>
+              <a:t>cơ</a:t>
+            </a:r>
+            <a:r>
+              <a:rPr lang="en-US" sz="4800" dirty="0" smtClean="0">
+                <a:latin typeface="Times New Roman" panose="02020603050405020304" pitchFamily="18" charset="0"/>
+                <a:cs typeface="Times New Roman" panose="02020603050405020304" pitchFamily="18" charset="0"/>
+              </a:rPr>
+              <a:t> </a:t>
+            </a:r>
+            <a:r>
+              <a:rPr lang="en-US" sz="4800" dirty="0" err="1" smtClean="0">
+                <a:latin typeface="Times New Roman" panose="02020603050405020304" pitchFamily="18" charset="0"/>
+                <a:cs typeface="Times New Roman" panose="02020603050405020304" pitchFamily="18" charset="0"/>
+              </a:rPr>
+              <a:t>bản</a:t>
+            </a:r>
+            <a:r>
+              <a:rPr lang="en-US" sz="4800" dirty="0" smtClean="0">
+                <a:latin typeface="Times New Roman" panose="02020603050405020304" pitchFamily="18" charset="0"/>
+                <a:cs typeface="Times New Roman" panose="02020603050405020304" pitchFamily="18" charset="0"/>
+              </a:rPr>
+              <a:t> </a:t>
+            </a:r>
+            <a:r>
+              <a:rPr lang="en-US" sz="4800" dirty="0" err="1" smtClean="0">
+                <a:latin typeface="Times New Roman" panose="02020603050405020304" pitchFamily="18" charset="0"/>
+                <a:cs typeface="Times New Roman" panose="02020603050405020304" pitchFamily="18" charset="0"/>
+              </a:rPr>
+              <a:t>trong</a:t>
+            </a:r>
+            <a:r>
+              <a:rPr lang="en-US" sz="4800" dirty="0" smtClean="0">
+                <a:latin typeface="Times New Roman" panose="02020603050405020304" pitchFamily="18" charset="0"/>
+                <a:cs typeface="Times New Roman" panose="02020603050405020304" pitchFamily="18" charset="0"/>
+              </a:rPr>
+              <a:t> LINQ</a:t>
+            </a:r>
+            <a:endParaRPr lang="en-US" sz="4800" dirty="0">
+              <a:latin typeface="Times New Roman" panose="02020603050405020304" pitchFamily="18" charset="0"/>
+              <a:cs typeface="Times New Roman" panose="02020603050405020304" pitchFamily="18" charset="0"/>
+            </a:endParaRPr>
+          </a:p>
+        </p:txBody>
+      </p:sp>
+      <p:sp>
+        <p:nvSpPr>
+          <p:cNvPr id="3" name="Content Placeholder 2"/>
+          <p:cNvSpPr>
+            <a:spLocks noGrp="1"/>
+          </p:cNvSpPr>
+          <p:nvPr>
+            <p:ph idx="1"/>
+          </p:nvPr>
+        </p:nvSpPr>
+        <p:spPr/>
+        <p:txBody>
+          <a:bodyPr>
+            <a:normAutofit/>
+          </a:bodyPr>
+          <a:lstStyle/>
+          <a:p>
+            <a:pPr marL="0" indent="0" algn="just">
+              <a:buNone/>
+            </a:pPr>
+            <a:r>
+              <a:rPr lang="en-US" sz="3000" dirty="0" err="1">
+                <a:latin typeface="Times New Roman" panose="02020603050405020304" pitchFamily="18" charset="0"/>
+                <a:cs typeface="Times New Roman" panose="02020603050405020304" pitchFamily="18" charset="0"/>
+              </a:rPr>
+              <a:t>kết</a:t>
+            </a:r>
+            <a:r>
+              <a:rPr lang="en-US" sz="3000" dirty="0">
+                <a:latin typeface="Times New Roman" panose="02020603050405020304" pitchFamily="18" charset="0"/>
+                <a:cs typeface="Times New Roman" panose="02020603050405020304" pitchFamily="18" charset="0"/>
+              </a:rPr>
+              <a:t> </a:t>
+            </a:r>
+            <a:r>
+              <a:rPr lang="en-US" sz="3000" dirty="0" err="1">
+                <a:latin typeface="Times New Roman" panose="02020603050405020304" pitchFamily="18" charset="0"/>
+                <a:cs typeface="Times New Roman" panose="02020603050405020304" pitchFamily="18" charset="0"/>
+              </a:rPr>
+              <a:t>hợp</a:t>
+            </a:r>
+            <a:r>
+              <a:rPr lang="en-US" sz="3000" dirty="0">
+                <a:latin typeface="Times New Roman" panose="02020603050405020304" pitchFamily="18" charset="0"/>
+                <a:cs typeface="Times New Roman" panose="02020603050405020304" pitchFamily="18" charset="0"/>
+              </a:rPr>
+              <a:t> </a:t>
+            </a:r>
+            <a:r>
+              <a:rPr lang="en-US" sz="3000" dirty="0" err="1">
+                <a:latin typeface="Times New Roman" panose="02020603050405020304" pitchFamily="18" charset="0"/>
+                <a:cs typeface="Times New Roman" panose="02020603050405020304" pitchFamily="18" charset="0"/>
+              </a:rPr>
+              <a:t>cả</a:t>
+            </a:r>
+            <a:r>
+              <a:rPr lang="en-US" sz="3000" dirty="0">
+                <a:latin typeface="Times New Roman" panose="02020603050405020304" pitchFamily="18" charset="0"/>
+                <a:cs typeface="Times New Roman" panose="02020603050405020304" pitchFamily="18" charset="0"/>
+              </a:rPr>
+              <a:t> </a:t>
+            </a:r>
+            <a:r>
+              <a:rPr lang="en-US" sz="3000" dirty="0" err="1">
+                <a:latin typeface="Times New Roman" panose="02020603050405020304" pitchFamily="18" charset="0"/>
+                <a:cs typeface="Times New Roman" panose="02020603050405020304" pitchFamily="18" charset="0"/>
+              </a:rPr>
+              <a:t>hai</a:t>
+            </a:r>
+            <a:r>
+              <a:rPr lang="en-US" sz="3000" dirty="0">
+                <a:latin typeface="Times New Roman" panose="02020603050405020304" pitchFamily="18" charset="0"/>
+                <a:cs typeface="Times New Roman" panose="02020603050405020304" pitchFamily="18" charset="0"/>
+              </a:rPr>
+              <a:t> </a:t>
+            </a:r>
+            <a:r>
+              <a:rPr lang="en-US" sz="3000" dirty="0" err="1">
+                <a:latin typeface="Times New Roman" panose="02020603050405020304" pitchFamily="18" charset="0"/>
+                <a:cs typeface="Times New Roman" panose="02020603050405020304" pitchFamily="18" charset="0"/>
+              </a:rPr>
+              <a:t>cú</a:t>
+            </a:r>
+            <a:r>
+              <a:rPr lang="en-US" sz="3000" dirty="0">
+                <a:latin typeface="Times New Roman" panose="02020603050405020304" pitchFamily="18" charset="0"/>
+                <a:cs typeface="Times New Roman" panose="02020603050405020304" pitchFamily="18" charset="0"/>
+              </a:rPr>
+              <a:t> </a:t>
+            </a:r>
+            <a:r>
+              <a:rPr lang="en-US" sz="3000" dirty="0" err="1">
+                <a:latin typeface="Times New Roman" panose="02020603050405020304" pitchFamily="18" charset="0"/>
+                <a:cs typeface="Times New Roman" panose="02020603050405020304" pitchFamily="18" charset="0"/>
+              </a:rPr>
+              <a:t>pháp</a:t>
+            </a:r>
+            <a:r>
+              <a:rPr lang="en-US" sz="3000" dirty="0">
+                <a:latin typeface="Times New Roman" panose="02020603050405020304" pitchFamily="18" charset="0"/>
+                <a:cs typeface="Times New Roman" panose="02020603050405020304" pitchFamily="18" charset="0"/>
+              </a:rPr>
+              <a:t> </a:t>
+            </a:r>
+            <a:r>
+              <a:rPr lang="en-US" sz="3000" dirty="0" err="1">
+                <a:latin typeface="Times New Roman" panose="02020603050405020304" pitchFamily="18" charset="0"/>
+                <a:cs typeface="Times New Roman" panose="02020603050405020304" pitchFamily="18" charset="0"/>
+              </a:rPr>
+              <a:t>trên</a:t>
+            </a:r>
+            <a:r>
+              <a:rPr lang="en-US" sz="3000" dirty="0">
+                <a:latin typeface="Times New Roman" panose="02020603050405020304" pitchFamily="18" charset="0"/>
+                <a:cs typeface="Times New Roman" panose="02020603050405020304" pitchFamily="18" charset="0"/>
+              </a:rPr>
+              <a:t> (Query Dot).</a:t>
+            </a:r>
+          </a:p>
+          <a:p>
+            <a:pPr marL="0" indent="0" algn="just">
+              <a:buNone/>
+            </a:pPr>
+            <a:r>
+              <a:rPr lang="vi-VN" sz="3000" dirty="0">
+                <a:latin typeface="Times New Roman" panose="02020603050405020304" pitchFamily="18" charset="0"/>
+                <a:cs typeface="Times New Roman" panose="02020603050405020304" pitchFamily="18" charset="0"/>
+              </a:rPr>
+              <a:t>Là sự kết hợp của hai cú pháp ở trên. Biểu thức truy vấn sẽ được bao bọc bởi phương thức mở rộng ở bên ngoài. Cú pháp này giúp loại bỏ nhược điểm của hai cú pháp trên.</a:t>
+            </a:r>
+            <a:endParaRPr lang="en-US" sz="3000" dirty="0">
+              <a:latin typeface="Times New Roman" panose="02020603050405020304" pitchFamily="18" charset="0"/>
+              <a:cs typeface="Times New Roman" panose="02020603050405020304" pitchFamily="18" charset="0"/>
+            </a:endParaRPr>
+          </a:p>
+        </p:txBody>
+      </p:sp>
+      <p:sp>
+        <p:nvSpPr>
+          <p:cNvPr id="4" name="Rectangle 1"/>
+          <p:cNvSpPr>
+            <a:spLocks noChangeArrowheads="1"/>
+          </p:cNvSpPr>
+          <p:nvPr/>
+        </p:nvSpPr>
+        <p:spPr bwMode="auto">
+          <a:xfrm>
+            <a:off x="6095967" y="90100"/>
+            <a:ext cx="65" cy="276999"/>
+          </a:xfrm>
+          <a:prstGeom prst="rect">
+            <a:avLst/>
+          </a:prstGeom>
+          <a:solidFill>
+            <a:srgbClr val="FFFFFF"/>
+          </a:solidFill>
+          <a:ln>
+            <a:noFill/>
+          </a:ln>
+          <a:effectLst/>
+          <a:extLst>
+            <a:ext uri="{91240B29-F687-4F45-9708-019B960494DF}">
+              <a14:hiddenLine xmlns:a14="http://schemas.microsoft.com/office/drawing/2010/main" w="9525">
+                <a:solidFill>
+                  <a:schemeClr val="tx1"/>
+                </a:solidFill>
+                <a:miter lim="800000"/>
+                <a:headEnd/>
+                <a:tailEnd/>
+              </a14:hiddenLine>
+            </a:ext>
+            <a:ext uri="{AF507438-7753-43E0-B8FC-AC1667EBCBE1}">
+              <a14:hiddenEffects xmlns:a14="http://schemas.microsoft.com/office/drawing/2010/main">
+                <a:effectLst>
+                  <a:outerShdw dist="35921" dir="2700000" algn="ctr" rotWithShape="0">
+                    <a:schemeClr val="bg2"/>
+                  </a:outerShdw>
+                </a:effectLst>
+              </a14:hiddenEffects>
+            </a:ext>
+          </a:extLst>
+        </p:spPr>
+        <p:txBody>
+          <a:bodyPr vert="horz" wrap="none" lIns="0" tIns="0" rIns="0" bIns="0" numCol="1" anchor="ctr" anchorCtr="0" compatLnSpc="1">
+            <a:prstTxWarp prst="textNoShape">
+              <a:avLst/>
+            </a:prstTxWarp>
+            <a:spAutoFit/>
+          </a:bodyPr>
+          <a:lstStyle>
+            <a:lvl1pPr eaLnBrk="0" fontAlgn="base" hangingPunct="0">
+              <a:spcBef>
+                <a:spcPct val="0"/>
+              </a:spcBef>
+              <a:spcAft>
+                <a:spcPct val="0"/>
+              </a:spcAft>
+              <a:defRPr>
+                <a:solidFill>
+                  <a:schemeClr val="tx1"/>
+                </a:solidFill>
+                <a:latin typeface="Arial" panose="020B0604020202020204" pitchFamily="34" charset="0"/>
+              </a:defRPr>
+            </a:lvl1pPr>
+            <a:lvl2pPr eaLnBrk="0" fontAlgn="base" hangingPunct="0">
+              <a:spcBef>
+                <a:spcPct val="0"/>
+              </a:spcBef>
+              <a:spcAft>
+                <a:spcPct val="0"/>
+              </a:spcAft>
+              <a:defRPr>
+                <a:solidFill>
+                  <a:schemeClr val="tx1"/>
+                </a:solidFill>
+                <a:latin typeface="Arial" panose="020B0604020202020204" pitchFamily="34" charset="0"/>
+              </a:defRPr>
+            </a:lvl2pPr>
+            <a:lvl3pPr eaLnBrk="0" fontAlgn="base" hangingPunct="0">
+              <a:spcBef>
+                <a:spcPct val="0"/>
+              </a:spcBef>
+              <a:spcAft>
+                <a:spcPct val="0"/>
+              </a:spcAft>
+              <a:defRPr>
+                <a:solidFill>
+                  <a:schemeClr val="tx1"/>
+                </a:solidFill>
+                <a:latin typeface="Arial" panose="020B0604020202020204" pitchFamily="34" charset="0"/>
+              </a:defRPr>
+            </a:lvl3pPr>
+            <a:lvl4pPr eaLnBrk="0" fontAlgn="base" hangingPunct="0">
+              <a:spcBef>
+                <a:spcPct val="0"/>
+              </a:spcBef>
+              <a:spcAft>
+                <a:spcPct val="0"/>
+              </a:spcAft>
+              <a:defRPr>
+                <a:solidFill>
+                  <a:schemeClr val="tx1"/>
+                </a:solidFill>
+                <a:latin typeface="Arial" panose="020B0604020202020204" pitchFamily="34" charset="0"/>
+              </a:defRPr>
+            </a:lvl4pPr>
+            <a:lvl5pPr eaLnBrk="0" fontAlgn="base" hangingPunct="0">
+              <a:spcBef>
+                <a:spcPct val="0"/>
+              </a:spcBef>
+              <a:spcAft>
+                <a:spcPct val="0"/>
+              </a:spcAft>
+              <a:defRPr>
+                <a:solidFill>
+                  <a:schemeClr val="tx1"/>
+                </a:solidFill>
+                <a:latin typeface="Arial" panose="020B0604020202020204" pitchFamily="34" charset="0"/>
+              </a:defRPr>
+            </a:lvl5pPr>
+            <a:lvl6pPr eaLnBrk="0" fontAlgn="base" hangingPunct="0">
+              <a:spcBef>
+                <a:spcPct val="0"/>
+              </a:spcBef>
+              <a:spcAft>
+                <a:spcPct val="0"/>
+              </a:spcAft>
+              <a:defRPr>
+                <a:solidFill>
+                  <a:schemeClr val="tx1"/>
+                </a:solidFill>
+                <a:latin typeface="Arial" panose="020B0604020202020204" pitchFamily="34" charset="0"/>
+              </a:defRPr>
+            </a:lvl6pPr>
+            <a:lvl7pPr eaLnBrk="0" fontAlgn="base" hangingPunct="0">
+              <a:spcBef>
+                <a:spcPct val="0"/>
+              </a:spcBef>
+              <a:spcAft>
+                <a:spcPct val="0"/>
+              </a:spcAft>
+              <a:defRPr>
+                <a:solidFill>
+                  <a:schemeClr val="tx1"/>
+                </a:solidFill>
+                <a:latin typeface="Arial" panose="020B0604020202020204" pitchFamily="34" charset="0"/>
+              </a:defRPr>
+            </a:lvl7pPr>
+            <a:lvl8pPr eaLnBrk="0" fontAlgn="base" hangingPunct="0">
+              <a:spcBef>
+                <a:spcPct val="0"/>
+              </a:spcBef>
+              <a:spcAft>
+                <a:spcPct val="0"/>
+              </a:spcAft>
+              <a:defRPr>
+                <a:solidFill>
+                  <a:schemeClr val="tx1"/>
+                </a:solidFill>
+                <a:latin typeface="Arial" panose="020B0604020202020204" pitchFamily="34" charset="0"/>
+              </a:defRPr>
+            </a:lvl8pPr>
+            <a:lvl9pPr eaLnBrk="0" fontAlgn="base" hangingPunct="0">
+              <a:spcBef>
+                <a:spcPct val="0"/>
+              </a:spcBef>
+              <a:spcAft>
+                <a:spcPct val="0"/>
+              </a:spcAft>
+              <a:defRPr>
+                <a:solidFill>
+                  <a:schemeClr val="tx1"/>
+                </a:solidFill>
+                <a:latin typeface="Arial" panose="020B0604020202020204" pitchFamily="34" charset="0"/>
+              </a:defRPr>
+            </a:lvl9pPr>
+          </a:lstStyle>
+          <a:p>
+            <a:pPr marL="0" marR="0" lvl="0" indent="0" algn="just" defTabSz="914400" rtl="0" eaLnBrk="0" fontAlgn="base" latinLnBrk="0" hangingPunct="0">
+              <a:lnSpc>
+                <a:spcPct val="100000"/>
+              </a:lnSpc>
+              <a:spcBef>
+                <a:spcPct val="0"/>
+              </a:spcBef>
+              <a:spcAft>
+                <a:spcPct val="0"/>
+              </a:spcAft>
+              <a:buClrTx/>
+              <a:buSzTx/>
+              <a:buFontTx/>
+              <a:buNone/>
+              <a:tabLst/>
+            </a:pPr>
+            <a:endParaRPr kumimoji="0" lang="en-US" altLang="en-US" sz="1800" b="0" i="0" u="none" strike="noStrike" cap="none" normalizeH="0" baseline="0" dirty="0" smtClean="0">
+              <a:ln>
+                <a:noFill/>
+              </a:ln>
+              <a:solidFill>
+                <a:schemeClr val="tx1"/>
+              </a:solidFill>
+              <a:effectLst/>
+              <a:latin typeface="Arial" panose="020B0604020202020204" pitchFamily="34" charset="0"/>
+            </a:endParaRPr>
+          </a:p>
+        </p:txBody>
+      </p:sp>
+    </p:spTree>
+    <p:extLst>
+      <p:ext uri="{BB962C8B-B14F-4D97-AF65-F5344CB8AC3E}">
+        <p14:creationId xmlns:p14="http://schemas.microsoft.com/office/powerpoint/2010/main" val="1860341735"/>
+      </p:ext>
+    </p:extLst>
+  </p:cSld>
+  <p:clrMapOvr>
+    <a:masterClrMapping/>
+  </p:clrMapOvr>
+</p:sld>
+</file>
+
+<file path=ppt/slides/slide34.xml><?xml version="1.0" encoding="utf-8"?>
+<p:sld xmlns:a="http://schemas.openxmlformats.org/drawingml/2006/main" xmlns:r="http://schemas.openxmlformats.org/officeDocument/2006/relationships" xmlns:p="http://schemas.openxmlformats.org/presentationml/2006/main">
+  <p:cSld>
+    <p:spTree>
+      <p:nvGrpSpPr>
+        <p:cNvPr id="1" name=""/>
+        <p:cNvGrpSpPr/>
+        <p:nvPr/>
+      </p:nvGrpSpPr>
+      <p:grpSpPr>
+        <a:xfrm>
+          <a:off x="0" y="0"/>
+          <a:ext cx="0" cy="0"/>
+          <a:chOff x="0" y="0"/>
+          <a:chExt cx="0" cy="0"/>
+        </a:xfrm>
+      </p:grpSpPr>
+      <p:sp>
+        <p:nvSpPr>
+          <p:cNvPr id="2" name="Title 1"/>
+          <p:cNvSpPr>
+            <a:spLocks noGrp="1"/>
+          </p:cNvSpPr>
+          <p:nvPr>
+            <p:ph type="title"/>
+          </p:nvPr>
+        </p:nvSpPr>
+        <p:spPr/>
+        <p:txBody>
+          <a:bodyPr/>
+          <a:lstStyle/>
+          <a:p>
+            <a:pPr algn="ctr"/>
+            <a:r>
+              <a:rPr lang="en-US" sz="4800" dirty="0" smtClean="0">
+                <a:latin typeface="Times New Roman" panose="02020603050405020304" pitchFamily="18" charset="0"/>
+                <a:cs typeface="Times New Roman" panose="02020603050405020304" pitchFamily="18" charset="0"/>
+              </a:rPr>
+              <a:t>6. </a:t>
+            </a:r>
+            <a:r>
+              <a:rPr lang="en-US" sz="4800" dirty="0" err="1" smtClean="0">
+                <a:latin typeface="Times New Roman" panose="02020603050405020304" pitchFamily="18" charset="0"/>
+                <a:cs typeface="Times New Roman" panose="02020603050405020304" pitchFamily="18" charset="0"/>
+              </a:rPr>
+              <a:t>Truy</a:t>
+            </a:r>
+            <a:r>
+              <a:rPr lang="en-US" sz="4800" dirty="0" smtClean="0">
+                <a:latin typeface="Times New Roman" panose="02020603050405020304" pitchFamily="18" charset="0"/>
+                <a:cs typeface="Times New Roman" panose="02020603050405020304" pitchFamily="18" charset="0"/>
+              </a:rPr>
+              <a:t> </a:t>
+            </a:r>
+            <a:r>
+              <a:rPr lang="en-US" sz="4800" dirty="0" err="1" smtClean="0">
+                <a:latin typeface="Times New Roman" panose="02020603050405020304" pitchFamily="18" charset="0"/>
+                <a:cs typeface="Times New Roman" panose="02020603050405020304" pitchFamily="18" charset="0"/>
+              </a:rPr>
+              <a:t>vấn</a:t>
+            </a:r>
+            <a:r>
+              <a:rPr lang="en-US" sz="4800" dirty="0" smtClean="0">
+                <a:latin typeface="Times New Roman" panose="02020603050405020304" pitchFamily="18" charset="0"/>
+                <a:cs typeface="Times New Roman" panose="02020603050405020304" pitchFamily="18" charset="0"/>
+              </a:rPr>
+              <a:t> </a:t>
+            </a:r>
+            <a:r>
+              <a:rPr lang="en-US" sz="4800" dirty="0" err="1" smtClean="0">
+                <a:latin typeface="Times New Roman" panose="02020603050405020304" pitchFamily="18" charset="0"/>
+                <a:cs typeface="Times New Roman" panose="02020603050405020304" pitchFamily="18" charset="0"/>
+              </a:rPr>
+              <a:t>cơ</a:t>
+            </a:r>
+            <a:r>
+              <a:rPr lang="en-US" sz="4800" dirty="0" smtClean="0">
+                <a:latin typeface="Times New Roman" panose="02020603050405020304" pitchFamily="18" charset="0"/>
+                <a:cs typeface="Times New Roman" panose="02020603050405020304" pitchFamily="18" charset="0"/>
+              </a:rPr>
+              <a:t> </a:t>
+            </a:r>
+            <a:r>
+              <a:rPr lang="en-US" sz="4800" dirty="0" err="1" smtClean="0">
+                <a:latin typeface="Times New Roman" panose="02020603050405020304" pitchFamily="18" charset="0"/>
+                <a:cs typeface="Times New Roman" panose="02020603050405020304" pitchFamily="18" charset="0"/>
+              </a:rPr>
+              <a:t>bản</a:t>
+            </a:r>
+            <a:r>
+              <a:rPr lang="en-US" sz="4800" dirty="0" smtClean="0">
+                <a:latin typeface="Times New Roman" panose="02020603050405020304" pitchFamily="18" charset="0"/>
+                <a:cs typeface="Times New Roman" panose="02020603050405020304" pitchFamily="18" charset="0"/>
+              </a:rPr>
+              <a:t> </a:t>
+            </a:r>
+            <a:r>
+              <a:rPr lang="en-US" sz="4800" dirty="0" err="1" smtClean="0">
+                <a:latin typeface="Times New Roman" panose="02020603050405020304" pitchFamily="18" charset="0"/>
+                <a:cs typeface="Times New Roman" panose="02020603050405020304" pitchFamily="18" charset="0"/>
+              </a:rPr>
+              <a:t>trong</a:t>
+            </a:r>
+            <a:r>
+              <a:rPr lang="en-US" sz="4800" dirty="0" smtClean="0">
+                <a:latin typeface="Times New Roman" panose="02020603050405020304" pitchFamily="18" charset="0"/>
+                <a:cs typeface="Times New Roman" panose="02020603050405020304" pitchFamily="18" charset="0"/>
+              </a:rPr>
+              <a:t> LINQ</a:t>
+            </a:r>
+            <a:endParaRPr lang="en-US" sz="4800" dirty="0">
+              <a:latin typeface="Times New Roman" panose="02020603050405020304" pitchFamily="18" charset="0"/>
+              <a:cs typeface="Times New Roman" panose="02020603050405020304" pitchFamily="18" charset="0"/>
+            </a:endParaRPr>
+          </a:p>
+        </p:txBody>
+      </p:sp>
+      <p:sp>
+        <p:nvSpPr>
+          <p:cNvPr id="5" name="Content Placeholder 4"/>
+          <p:cNvSpPr>
+            <a:spLocks noGrp="1"/>
+          </p:cNvSpPr>
+          <p:nvPr>
+            <p:ph idx="1"/>
+          </p:nvPr>
+        </p:nvSpPr>
+        <p:spPr/>
+        <p:txBody>
+          <a:bodyPr>
+            <a:normAutofit/>
+          </a:bodyPr>
+          <a:lstStyle/>
+          <a:p>
+            <a:pPr marL="0" indent="0" algn="just">
+              <a:buNone/>
+            </a:pPr>
+            <a:r>
+              <a:rPr lang="en-US" sz="3000" dirty="0" smtClean="0">
+                <a:latin typeface="Times New Roman" panose="02020603050405020304" pitchFamily="18" charset="0"/>
+                <a:cs typeface="Times New Roman" panose="02020603050405020304" pitchFamily="18" charset="0"/>
+              </a:rPr>
+              <a:t>	</a:t>
+            </a:r>
+            <a:r>
+              <a:rPr lang="vi-VN" sz="3000" dirty="0" smtClean="0">
+                <a:latin typeface="Times New Roman" panose="02020603050405020304" pitchFamily="18" charset="0"/>
+                <a:cs typeface="Times New Roman" panose="02020603050405020304" pitchFamily="18" charset="0"/>
+              </a:rPr>
+              <a:t>Mục </a:t>
+            </a:r>
+            <a:r>
+              <a:rPr lang="vi-VN" sz="3000" dirty="0">
+                <a:latin typeface="Times New Roman" panose="02020603050405020304" pitchFamily="18" charset="0"/>
+                <a:cs typeface="Times New Roman" panose="02020603050405020304" pitchFamily="18" charset="0"/>
+              </a:rPr>
+              <a:t>tiêu của việc sử dụng cú pháp là để dễ đọc và giúp các lập trình viên khác dễ dàng hiểu mã của bạn viết. Nếu bạn là người không rành về SQL, tốt nhất bạn nên sử dụng cú pháp phương thức ở rộng, cú pháp của nó giống với cách bạn viết mã C#. Nếu bạn có một nền tảng SQL tốt, bạn nên sử dụng biểu thức kết hợp, nó vừa giúp bạn tận dụng lợi thế viết mã SQL tốt, vừa loại bỏ được các nhược điểm của biểu thức truy vấn</a:t>
+            </a:r>
+            <a:endParaRPr lang="en-US" sz="3000" dirty="0">
+              <a:latin typeface="Times New Roman" panose="02020603050405020304" pitchFamily="18" charset="0"/>
+              <a:cs typeface="Times New Roman" panose="02020603050405020304" pitchFamily="18" charset="0"/>
+            </a:endParaRPr>
+          </a:p>
+        </p:txBody>
+      </p:sp>
+    </p:spTree>
+    <p:extLst>
+      <p:ext uri="{BB962C8B-B14F-4D97-AF65-F5344CB8AC3E}">
+        <p14:creationId xmlns:p14="http://schemas.microsoft.com/office/powerpoint/2010/main" val="3456900396"/>
+      </p:ext>
+    </p:extLst>
+  </p:cSld>
+  <p:clrMapOvr>
+    <a:masterClrMapping/>
+  </p:clrMapOvr>
+</p:sld>
+</file>
+
 <file path=ppt/slides/slide4.xml><?xml version="1.0" encoding="utf-8"?>
 <p:sld xmlns:a="http://schemas.openxmlformats.org/drawingml/2006/main" xmlns:r="http://schemas.openxmlformats.org/officeDocument/2006/relationships" xmlns:p="http://schemas.openxmlformats.org/presentationml/2006/main">
   <p:cSld>
@@ -16443,13 +19066,6 @@
                 <a:cs typeface="Times New Roman" panose="02020603050405020304" pitchFamily="18" charset="0"/>
               </a:rPr>
               <a:t>.</a:t>
-            </a:r>
-            <a:r>
-              <a:rPr lang="vi-VN" sz="3000" dirty="0">
-                <a:latin typeface="Times New Roman" panose="02020603050405020304" pitchFamily="18" charset="0"/>
-                <a:cs typeface="Times New Roman" panose="02020603050405020304" pitchFamily="18" charset="0"/>
-              </a:rPr>
-              <a:t/>
             </a:r>
             <a:br>
               <a:rPr lang="vi-VN" sz="3000" dirty="0">
@@ -18062,10 +20678,6 @@
               </a:rPr>
               <a:t> Entity Framework.</a:t>
             </a:r>
-            <a:endParaRPr lang="en-US" sz="3000" dirty="0">
-              <a:latin typeface="Times New Roman" panose="02020603050405020304" pitchFamily="18" charset="0"/>
-              <a:cs typeface="Times New Roman" panose="02020603050405020304" pitchFamily="18" charset="0"/>
-            </a:endParaRPr>
           </a:p>
         </p:txBody>
       </p:sp>
